--- a/pics/2020-10-11-VAE/pics.pptx
+++ b/pics/2020-10-11-VAE/pics.pptx
@@ -6,6 +6,8 @@
   </p:sldMasterIdLst>
   <p:sldIdLst>
     <p:sldId id="256" r:id="rId2"/>
+    <p:sldId id="257" r:id="rId3"/>
+    <p:sldId id="258" r:id="rId4"/>
   </p:sldIdLst>
   <p:sldSz cx="9144000" cy="6858000" type="screen4x3"/>
   <p:notesSz cx="6858000" cy="9144000"/>
@@ -3145,6 +3147,1170 @@
 </p:sld>
 </file>
 
+<file path=ppt/slides/slide2.xml><?xml version="1.0" encoding="utf-8"?>
+<p:sld xmlns:a="http://schemas.openxmlformats.org/drawingml/2006/main" xmlns:r="http://schemas.openxmlformats.org/officeDocument/2006/relationships" xmlns:p="http://schemas.openxmlformats.org/presentationml/2006/main">
+  <p:cSld>
+    <p:spTree>
+      <p:nvGrpSpPr>
+        <p:cNvPr id="1" name=""/>
+        <p:cNvGrpSpPr/>
+        <p:nvPr/>
+      </p:nvGrpSpPr>
+      <p:grpSpPr>
+        <a:xfrm>
+          <a:off x="0" y="0"/>
+          <a:ext cx="0" cy="0"/>
+          <a:chOff x="0" y="0"/>
+          <a:chExt cx="0" cy="0"/>
+        </a:xfrm>
+      </p:grpSpPr>
+      <p:pic>
+        <p:nvPicPr>
+          <p:cNvPr id="4" name="Picture 2"/>
+          <p:cNvPicPr>
+            <a:picLocks noChangeAspect="1" noChangeArrowheads="1"/>
+          </p:cNvPicPr>
+          <p:nvPr/>
+        </p:nvPicPr>
+        <p:blipFill rotWithShape="1">
+          <a:blip r:embed="rId2">
+            <a:extLst>
+              <a:ext uri="{28A0092B-C50C-407E-A947-70E740481C1C}">
+                <a14:useLocalDpi xmlns:a14="http://schemas.microsoft.com/office/drawing/2010/main" val="0"/>
+              </a:ext>
+            </a:extLst>
+          </a:blip>
+          <a:srcRect l="21914" t="32339" r="17800" b="13007"/>
+          <a:stretch/>
+        </p:blipFill>
+        <p:spPr bwMode="auto">
+          <a:xfrm>
+            <a:off x="5153025" y="2802788"/>
+            <a:ext cx="3209925" cy="2181225"/>
+          </a:xfrm>
+          <a:prstGeom prst="rect">
+            <a:avLst/>
+          </a:prstGeom>
+          <a:noFill/>
+          <a:ln>
+            <a:noFill/>
+          </a:ln>
+          <a:effectLst/>
+          <a:extLst>
+            <a:ext uri="{909E8E84-426E-40DD-AFC4-6F175D3DCCD1}">
+              <a14:hiddenFill xmlns:a14="http://schemas.microsoft.com/office/drawing/2010/main">
+                <a:solidFill>
+                  <a:schemeClr val="accent1"/>
+                </a:solidFill>
+              </a14:hiddenFill>
+            </a:ext>
+            <a:ext uri="{91240B29-F687-4F45-9708-019B960494DF}">
+              <a14:hiddenLine xmlns:a14="http://schemas.microsoft.com/office/drawing/2010/main" w="9525">
+                <a:solidFill>
+                  <a:schemeClr val="tx1"/>
+                </a:solidFill>
+                <a:miter lim="800000"/>
+                <a:headEnd/>
+                <a:tailEnd/>
+              </a14:hiddenLine>
+            </a:ext>
+            <a:ext uri="{AF507438-7753-43E0-B8FC-AC1667EBCBE1}">
+              <a14:hiddenEffects xmlns:a14="http://schemas.microsoft.com/office/drawing/2010/main">
+                <a:effectLst>
+                  <a:outerShdw dist="35921" dir="2700000" algn="ctr" rotWithShape="0">
+                    <a:schemeClr val="bg2"/>
+                  </a:outerShdw>
+                </a:effectLst>
+              </a14:hiddenEffects>
+            </a:ext>
+          </a:extLst>
+        </p:spPr>
+      </p:pic>
+      <p:sp>
+        <p:nvSpPr>
+          <p:cNvPr id="5" name="자유형 4"/>
+          <p:cNvSpPr/>
+          <p:nvPr/>
+        </p:nvSpPr>
+        <p:spPr>
+          <a:xfrm>
+            <a:off x="1009649" y="3627947"/>
+            <a:ext cx="3095625" cy="1143000"/>
+          </a:xfrm>
+          <a:custGeom>
+            <a:avLst/>
+            <a:gdLst>
+              <a:gd name="connsiteX0" fmla="*/ 0 w 3095625"/>
+              <a:gd name="connsiteY0" fmla="*/ 523875 h 1143000"/>
+              <a:gd name="connsiteX1" fmla="*/ 1343025 w 3095625"/>
+              <a:gd name="connsiteY1" fmla="*/ 1143000 h 1143000"/>
+              <a:gd name="connsiteX2" fmla="*/ 3095625 w 3095625"/>
+              <a:gd name="connsiteY2" fmla="*/ 666750 h 1143000"/>
+              <a:gd name="connsiteX3" fmla="*/ 1700213 w 3095625"/>
+              <a:gd name="connsiteY3" fmla="*/ 0 h 1143000"/>
+              <a:gd name="connsiteX4" fmla="*/ 0 w 3095625"/>
+              <a:gd name="connsiteY4" fmla="*/ 523875 h 1143000"/>
+            </a:gdLst>
+            <a:ahLst/>
+            <a:cxnLst>
+              <a:cxn ang="0">
+                <a:pos x="connsiteX0" y="connsiteY0"/>
+              </a:cxn>
+              <a:cxn ang="0">
+                <a:pos x="connsiteX1" y="connsiteY1"/>
+              </a:cxn>
+              <a:cxn ang="0">
+                <a:pos x="connsiteX2" y="connsiteY2"/>
+              </a:cxn>
+              <a:cxn ang="0">
+                <a:pos x="connsiteX3" y="connsiteY3"/>
+              </a:cxn>
+              <a:cxn ang="0">
+                <a:pos x="connsiteX4" y="connsiteY4"/>
+              </a:cxn>
+            </a:cxnLst>
+            <a:rect l="l" t="t" r="r" b="b"/>
+            <a:pathLst>
+              <a:path w="3095625" h="1143000">
+                <a:moveTo>
+                  <a:pt x="0" y="523875"/>
+                </a:moveTo>
+                <a:lnTo>
+                  <a:pt x="1343025" y="1143000"/>
+                </a:lnTo>
+                <a:lnTo>
+                  <a:pt x="3095625" y="666750"/>
+                </a:lnTo>
+                <a:lnTo>
+                  <a:pt x="1700213" y="0"/>
+                </a:lnTo>
+                <a:lnTo>
+                  <a:pt x="0" y="523875"/>
+                </a:lnTo>
+                <a:close/>
+              </a:path>
+            </a:pathLst>
+          </a:custGeom>
+          <a:solidFill>
+            <a:schemeClr val="bg1"/>
+          </a:solidFill>
+          <a:ln w="19050">
+            <a:solidFill>
+              <a:schemeClr val="tx1"/>
+            </a:solidFill>
+          </a:ln>
+        </p:spPr>
+        <p:style>
+          <a:lnRef idx="2">
+            <a:schemeClr val="accent1">
+              <a:shade val="50000"/>
+            </a:schemeClr>
+          </a:lnRef>
+          <a:fillRef idx="1">
+            <a:schemeClr val="accent1"/>
+          </a:fillRef>
+          <a:effectRef idx="0">
+            <a:schemeClr val="accent1"/>
+          </a:effectRef>
+          <a:fontRef idx="minor">
+            <a:schemeClr val="lt1"/>
+          </a:fontRef>
+        </p:style>
+        <p:txBody>
+          <a:bodyPr rtlCol="0" anchor="ctr"/>
+          <a:lstStyle/>
+          <a:p>
+            <a:pPr algn="ctr"/>
+            <a:endParaRPr lang="ko-KR" altLang="en-US"/>
+          </a:p>
+        </p:txBody>
+      </p:sp>
+      <mc:AlternateContent xmlns:mc="http://schemas.openxmlformats.org/markup-compatibility/2006">
+        <mc:Choice xmlns:a14="http://schemas.microsoft.com/office/drawing/2010/main" Requires="a14">
+          <p:sp>
+            <p:nvSpPr>
+              <p:cNvPr id="6" name="TextBox 5"/>
+              <p:cNvSpPr txBox="1"/>
+              <p:nvPr/>
+            </p:nvSpPr>
+            <p:spPr>
+              <a:xfrm>
+                <a:off x="3138828" y="4498838"/>
+                <a:ext cx="466089" cy="369332"/>
+              </a:xfrm>
+              <a:prstGeom prst="rect">
+                <a:avLst/>
+              </a:prstGeom>
+              <a:noFill/>
+            </p:spPr>
+            <p:txBody>
+              <a:bodyPr wrap="none" rtlCol="0">
+                <a:spAutoFit/>
+              </a:bodyPr>
+              <a:lstStyle/>
+              <a:p>
+                <a:pPr/>
+                <a14:m>
+                  <m:oMathPara xmlns:m="http://schemas.openxmlformats.org/officeDocument/2006/math">
+                    <m:oMathParaPr>
+                      <m:jc m:val="centerGroup"/>
+                    </m:oMathParaPr>
+                    <m:oMath xmlns:m="http://schemas.openxmlformats.org/officeDocument/2006/math">
+                      <m:sSub>
+                        <m:sSubPr>
+                          <m:ctrlPr>
+                            <a:rPr lang="en-US" altLang="ko-KR" b="0" i="1" smtClean="0">
+                              <a:latin typeface="Cambria Math"/>
+                            </a:rPr>
+                          </m:ctrlPr>
+                        </m:sSubPr>
+                        <m:e>
+                          <m:r>
+                            <a:rPr lang="en-US" altLang="ko-KR" b="0" i="1" smtClean="0">
+                              <a:latin typeface="Cambria Math"/>
+                            </a:rPr>
+                            <m:t>𝑥</m:t>
+                          </m:r>
+                        </m:e>
+                        <m:sub>
+                          <m:r>
+                            <a:rPr lang="en-US" altLang="ko-KR" b="0" i="1" smtClean="0">
+                              <a:latin typeface="Cambria Math"/>
+                            </a:rPr>
+                            <m:t>2</m:t>
+                          </m:r>
+                        </m:sub>
+                      </m:sSub>
+                    </m:oMath>
+                  </m:oMathPara>
+                </a14:m>
+                <a:endParaRPr lang="ko-KR" altLang="en-US" dirty="0"/>
+              </a:p>
+            </p:txBody>
+          </p:sp>
+        </mc:Choice>
+        <mc:Fallback>
+          <p:sp>
+            <p:nvSpPr>
+              <p:cNvPr id="6" name="TextBox 5"/>
+              <p:cNvSpPr txBox="1">
+                <a:spLocks noRot="1" noChangeAspect="1" noMove="1" noResize="1" noEditPoints="1" noAdjustHandles="1" noChangeArrowheads="1" noChangeShapeType="1" noTextEdit="1"/>
+              </p:cNvSpPr>
+              <p:nvPr/>
+            </p:nvSpPr>
+            <p:spPr>
+              <a:xfrm>
+                <a:off x="3138828" y="4498838"/>
+                <a:ext cx="466089" cy="369332"/>
+              </a:xfrm>
+              <a:prstGeom prst="rect">
+                <a:avLst/>
+              </a:prstGeom>
+              <a:blipFill rotWithShape="1">
+                <a:blip r:embed="rId3"/>
+                <a:stretch>
+                  <a:fillRect b="-1639"/>
+                </a:stretch>
+              </a:blipFill>
+            </p:spPr>
+            <p:txBody>
+              <a:bodyPr/>
+              <a:lstStyle/>
+              <a:p>
+                <a:r>
+                  <a:rPr lang="ko-KR" altLang="en-US">
+                    <a:noFill/>
+                  </a:rPr>
+                  <a:t> </a:t>
+                </a:r>
+              </a:p>
+            </p:txBody>
+          </p:sp>
+        </mc:Fallback>
+      </mc:AlternateContent>
+      <mc:AlternateContent xmlns:mc="http://schemas.openxmlformats.org/markup-compatibility/2006">
+        <mc:Choice xmlns:a14="http://schemas.microsoft.com/office/drawing/2010/main" Requires="a14">
+          <p:sp>
+            <p:nvSpPr>
+              <p:cNvPr id="7" name="TextBox 6"/>
+              <p:cNvSpPr txBox="1"/>
+              <p:nvPr/>
+            </p:nvSpPr>
+            <p:spPr>
+              <a:xfrm>
+                <a:off x="1253958" y="4413113"/>
+                <a:ext cx="460767" cy="369332"/>
+              </a:xfrm>
+              <a:prstGeom prst="rect">
+                <a:avLst/>
+              </a:prstGeom>
+              <a:noFill/>
+            </p:spPr>
+            <p:txBody>
+              <a:bodyPr wrap="none" rtlCol="0">
+                <a:spAutoFit/>
+              </a:bodyPr>
+              <a:lstStyle/>
+              <a:p>
+                <a:pPr/>
+                <a14:m>
+                  <m:oMathPara xmlns:m="http://schemas.openxmlformats.org/officeDocument/2006/math">
+                    <m:oMathParaPr>
+                      <m:jc m:val="centerGroup"/>
+                    </m:oMathParaPr>
+                    <m:oMath xmlns:m="http://schemas.openxmlformats.org/officeDocument/2006/math">
+                      <m:sSub>
+                        <m:sSubPr>
+                          <m:ctrlPr>
+                            <a:rPr lang="en-US" altLang="ko-KR" b="0" i="1" smtClean="0">
+                              <a:latin typeface="Cambria Math"/>
+                            </a:rPr>
+                          </m:ctrlPr>
+                        </m:sSubPr>
+                        <m:e>
+                          <m:r>
+                            <a:rPr lang="en-US" altLang="ko-KR" b="0" i="1" smtClean="0">
+                              <a:latin typeface="Cambria Math"/>
+                            </a:rPr>
+                            <m:t>𝑥</m:t>
+                          </m:r>
+                        </m:e>
+                        <m:sub>
+                          <m:r>
+                            <a:rPr lang="en-US" altLang="ko-KR" b="0" i="1" smtClean="0">
+                              <a:latin typeface="Cambria Math"/>
+                            </a:rPr>
+                            <m:t>1</m:t>
+                          </m:r>
+                        </m:sub>
+                      </m:sSub>
+                    </m:oMath>
+                  </m:oMathPara>
+                </a14:m>
+                <a:endParaRPr lang="ko-KR" altLang="en-US" dirty="0"/>
+              </a:p>
+            </p:txBody>
+          </p:sp>
+        </mc:Choice>
+        <mc:Fallback>
+          <p:sp>
+            <p:nvSpPr>
+              <p:cNvPr id="7" name="TextBox 6"/>
+              <p:cNvSpPr txBox="1">
+                <a:spLocks noRot="1" noChangeAspect="1" noMove="1" noResize="1" noEditPoints="1" noAdjustHandles="1" noChangeArrowheads="1" noChangeShapeType="1" noTextEdit="1"/>
+              </p:cNvSpPr>
+              <p:nvPr/>
+            </p:nvSpPr>
+            <p:spPr>
+              <a:xfrm>
+                <a:off x="1253958" y="4413113"/>
+                <a:ext cx="460767" cy="369332"/>
+              </a:xfrm>
+              <a:prstGeom prst="rect">
+                <a:avLst/>
+              </a:prstGeom>
+              <a:blipFill rotWithShape="1">
+                <a:blip r:embed="rId4"/>
+                <a:stretch>
+                  <a:fillRect b="-1639"/>
+                </a:stretch>
+              </a:blipFill>
+            </p:spPr>
+            <p:txBody>
+              <a:bodyPr/>
+              <a:lstStyle/>
+              <a:p>
+                <a:r>
+                  <a:rPr lang="ko-KR" altLang="en-US">
+                    <a:noFill/>
+                  </a:rPr>
+                  <a:t> </a:t>
+                </a:r>
+              </a:p>
+            </p:txBody>
+          </p:sp>
+        </mc:Fallback>
+      </mc:AlternateContent>
+      <mc:AlternateContent xmlns:mc="http://schemas.openxmlformats.org/markup-compatibility/2006">
+        <mc:Choice xmlns:a14="http://schemas.microsoft.com/office/drawing/2010/main" Requires="a14">
+          <p:sp>
+            <p:nvSpPr>
+              <p:cNvPr id="8" name="TextBox 7"/>
+              <p:cNvSpPr txBox="1"/>
+              <p:nvPr/>
+            </p:nvSpPr>
+            <p:spPr>
+              <a:xfrm>
+                <a:off x="7362330" y="4593402"/>
+                <a:ext cx="466089" cy="369332"/>
+              </a:xfrm>
+              <a:prstGeom prst="rect">
+                <a:avLst/>
+              </a:prstGeom>
+              <a:noFill/>
+            </p:spPr>
+            <p:txBody>
+              <a:bodyPr wrap="none" rtlCol="0">
+                <a:spAutoFit/>
+              </a:bodyPr>
+              <a:lstStyle/>
+              <a:p>
+                <a:pPr/>
+                <a14:m>
+                  <m:oMathPara xmlns:m="http://schemas.openxmlformats.org/officeDocument/2006/math">
+                    <m:oMathParaPr>
+                      <m:jc m:val="centerGroup"/>
+                    </m:oMathParaPr>
+                    <m:oMath xmlns:m="http://schemas.openxmlformats.org/officeDocument/2006/math">
+                      <m:sSub>
+                        <m:sSubPr>
+                          <m:ctrlPr>
+                            <a:rPr lang="en-US" altLang="ko-KR" b="0" i="1" smtClean="0">
+                              <a:latin typeface="Cambria Math"/>
+                            </a:rPr>
+                          </m:ctrlPr>
+                        </m:sSubPr>
+                        <m:e>
+                          <m:r>
+                            <a:rPr lang="en-US" altLang="ko-KR" b="0" i="1" smtClean="0">
+                              <a:latin typeface="Cambria Math"/>
+                            </a:rPr>
+                            <m:t>𝑥</m:t>
+                          </m:r>
+                        </m:e>
+                        <m:sub>
+                          <m:r>
+                            <a:rPr lang="en-US" altLang="ko-KR" b="0" i="1" smtClean="0">
+                              <a:latin typeface="Cambria Math"/>
+                            </a:rPr>
+                            <m:t>2</m:t>
+                          </m:r>
+                        </m:sub>
+                      </m:sSub>
+                    </m:oMath>
+                  </m:oMathPara>
+                </a14:m>
+                <a:endParaRPr lang="ko-KR" altLang="en-US" dirty="0"/>
+              </a:p>
+            </p:txBody>
+          </p:sp>
+        </mc:Choice>
+        <mc:Fallback>
+          <p:sp>
+            <p:nvSpPr>
+              <p:cNvPr id="8" name="TextBox 7"/>
+              <p:cNvSpPr txBox="1">
+                <a:spLocks noRot="1" noChangeAspect="1" noMove="1" noResize="1" noEditPoints="1" noAdjustHandles="1" noChangeArrowheads="1" noChangeShapeType="1" noTextEdit="1"/>
+              </p:cNvSpPr>
+              <p:nvPr/>
+            </p:nvSpPr>
+            <p:spPr>
+              <a:xfrm>
+                <a:off x="7362330" y="4593402"/>
+                <a:ext cx="466089" cy="369332"/>
+              </a:xfrm>
+              <a:prstGeom prst="rect">
+                <a:avLst/>
+              </a:prstGeom>
+              <a:blipFill rotWithShape="1">
+                <a:blip r:embed="rId5"/>
+                <a:stretch>
+                  <a:fillRect b="-3333"/>
+                </a:stretch>
+              </a:blipFill>
+            </p:spPr>
+            <p:txBody>
+              <a:bodyPr/>
+              <a:lstStyle/>
+              <a:p>
+                <a:r>
+                  <a:rPr lang="ko-KR" altLang="en-US">
+                    <a:noFill/>
+                  </a:rPr>
+                  <a:t> </a:t>
+                </a:r>
+              </a:p>
+            </p:txBody>
+          </p:sp>
+        </mc:Fallback>
+      </mc:AlternateContent>
+      <mc:AlternateContent xmlns:mc="http://schemas.openxmlformats.org/markup-compatibility/2006">
+        <mc:Choice xmlns:a14="http://schemas.microsoft.com/office/drawing/2010/main" Requires="a14">
+          <p:sp>
+            <p:nvSpPr>
+              <p:cNvPr id="9" name="TextBox 8"/>
+              <p:cNvSpPr txBox="1"/>
+              <p:nvPr/>
+            </p:nvSpPr>
+            <p:spPr>
+              <a:xfrm>
+                <a:off x="5523909" y="4517496"/>
+                <a:ext cx="460767" cy="369332"/>
+              </a:xfrm>
+              <a:prstGeom prst="rect">
+                <a:avLst/>
+              </a:prstGeom>
+              <a:noFill/>
+            </p:spPr>
+            <p:txBody>
+              <a:bodyPr wrap="none" rtlCol="0">
+                <a:spAutoFit/>
+              </a:bodyPr>
+              <a:lstStyle/>
+              <a:p>
+                <a:pPr/>
+                <a14:m>
+                  <m:oMathPara xmlns:m="http://schemas.openxmlformats.org/officeDocument/2006/math">
+                    <m:oMathParaPr>
+                      <m:jc m:val="centerGroup"/>
+                    </m:oMathParaPr>
+                    <m:oMath xmlns:m="http://schemas.openxmlformats.org/officeDocument/2006/math">
+                      <m:sSub>
+                        <m:sSubPr>
+                          <m:ctrlPr>
+                            <a:rPr lang="en-US" altLang="ko-KR" b="0" i="1" smtClean="0">
+                              <a:latin typeface="Cambria Math"/>
+                            </a:rPr>
+                          </m:ctrlPr>
+                        </m:sSubPr>
+                        <m:e>
+                          <m:r>
+                            <a:rPr lang="en-US" altLang="ko-KR" b="0" i="1" smtClean="0">
+                              <a:latin typeface="Cambria Math"/>
+                            </a:rPr>
+                            <m:t>𝑥</m:t>
+                          </m:r>
+                        </m:e>
+                        <m:sub>
+                          <m:r>
+                            <a:rPr lang="en-US" altLang="ko-KR" b="0" i="1" smtClean="0">
+                              <a:latin typeface="Cambria Math"/>
+                            </a:rPr>
+                            <m:t>1</m:t>
+                          </m:r>
+                        </m:sub>
+                      </m:sSub>
+                    </m:oMath>
+                  </m:oMathPara>
+                </a14:m>
+                <a:endParaRPr lang="ko-KR" altLang="en-US" dirty="0"/>
+              </a:p>
+            </p:txBody>
+          </p:sp>
+        </mc:Choice>
+        <mc:Fallback>
+          <p:sp>
+            <p:nvSpPr>
+              <p:cNvPr id="9" name="TextBox 8"/>
+              <p:cNvSpPr txBox="1">
+                <a:spLocks noRot="1" noChangeAspect="1" noMove="1" noResize="1" noEditPoints="1" noAdjustHandles="1" noChangeArrowheads="1" noChangeShapeType="1" noTextEdit="1"/>
+              </p:cNvSpPr>
+              <p:nvPr/>
+            </p:nvSpPr>
+            <p:spPr>
+              <a:xfrm>
+                <a:off x="5523909" y="4517496"/>
+                <a:ext cx="460767" cy="369332"/>
+              </a:xfrm>
+              <a:prstGeom prst="rect">
+                <a:avLst/>
+              </a:prstGeom>
+              <a:blipFill rotWithShape="1">
+                <a:blip r:embed="rId6"/>
+                <a:stretch>
+                  <a:fillRect b="-1639"/>
+                </a:stretch>
+              </a:blipFill>
+            </p:spPr>
+            <p:txBody>
+              <a:bodyPr/>
+              <a:lstStyle/>
+              <a:p>
+                <a:r>
+                  <a:rPr lang="ko-KR" altLang="en-US">
+                    <a:noFill/>
+                  </a:rPr>
+                  <a:t> </a:t>
+                </a:r>
+              </a:p>
+            </p:txBody>
+          </p:sp>
+        </mc:Fallback>
+      </mc:AlternateContent>
+      <p:cxnSp>
+        <p:nvCxnSpPr>
+          <p:cNvPr id="10" name="직선 연결선 9"/>
+          <p:cNvCxnSpPr/>
+          <p:nvPr/>
+        </p:nvCxnSpPr>
+        <p:spPr>
+          <a:xfrm>
+            <a:off x="2557461" y="2318994"/>
+            <a:ext cx="0" cy="1706252"/>
+          </a:xfrm>
+          <a:prstGeom prst="line">
+            <a:avLst/>
+          </a:prstGeom>
+          <a:ln w="19050">
+            <a:headEnd type="none" w="med" len="med"/>
+            <a:tailEnd type="arrow" w="med" len="med"/>
+          </a:ln>
+        </p:spPr>
+        <p:style>
+          <a:lnRef idx="1">
+            <a:schemeClr val="accent1"/>
+          </a:lnRef>
+          <a:fillRef idx="0">
+            <a:schemeClr val="accent1"/>
+          </a:fillRef>
+          <a:effectRef idx="0">
+            <a:schemeClr val="accent1"/>
+          </a:effectRef>
+          <a:fontRef idx="minor">
+            <a:schemeClr val="tx1"/>
+          </a:fontRef>
+        </p:style>
+      </p:cxnSp>
+      <p:sp>
+        <p:nvSpPr>
+          <p:cNvPr id="11" name="타원 10"/>
+          <p:cNvSpPr/>
+          <p:nvPr/>
+        </p:nvSpPr>
+        <p:spPr>
+          <a:xfrm>
+            <a:off x="2525711" y="4078339"/>
+            <a:ext cx="63500" cy="63500"/>
+          </a:xfrm>
+          <a:prstGeom prst="ellipse">
+            <a:avLst/>
+          </a:prstGeom>
+          <a:ln>
+            <a:noFill/>
+          </a:ln>
+        </p:spPr>
+        <p:style>
+          <a:lnRef idx="2">
+            <a:schemeClr val="accent1">
+              <a:shade val="50000"/>
+            </a:schemeClr>
+          </a:lnRef>
+          <a:fillRef idx="1">
+            <a:schemeClr val="accent1"/>
+          </a:fillRef>
+          <a:effectRef idx="0">
+            <a:schemeClr val="accent1"/>
+          </a:effectRef>
+          <a:fontRef idx="minor">
+            <a:schemeClr val="lt1"/>
+          </a:fontRef>
+        </p:style>
+        <p:txBody>
+          <a:bodyPr rtlCol="0" anchor="ctr"/>
+          <a:lstStyle/>
+          <a:p>
+            <a:pPr algn="ctr"/>
+            <a:endParaRPr lang="ko-KR" altLang="en-US"/>
+          </a:p>
+        </p:txBody>
+      </p:sp>
+      <p:pic>
+        <p:nvPicPr>
+          <p:cNvPr id="12" name="Picture 6" descr="https://raw.githubusercontent.com/angeloyeo/angeloyeo.github.io/master/pics/2020-10-10-autoencoder/pic2.png"/>
+          <p:cNvPicPr>
+            <a:picLocks noChangeAspect="1" noChangeArrowheads="1"/>
+          </p:cNvPicPr>
+          <p:nvPr/>
+        </p:nvPicPr>
+        <p:blipFill rotWithShape="1">
+          <a:blip r:embed="rId7">
+            <a:extLst>
+              <a:ext uri="{28A0092B-C50C-407E-A947-70E740481C1C}">
+                <a14:useLocalDpi xmlns:a14="http://schemas.microsoft.com/office/drawing/2010/main" val="0"/>
+              </a:ext>
+            </a:extLst>
+          </a:blip>
+          <a:srcRect l="93401" t="76153" r="1659" b="15476"/>
+          <a:stretch/>
+        </p:blipFill>
+        <p:spPr bwMode="auto">
+          <a:xfrm>
+            <a:off x="2183186" y="1502731"/>
+            <a:ext cx="729696" cy="751432"/>
+          </a:xfrm>
+          <a:prstGeom prst="rect">
+            <a:avLst/>
+          </a:prstGeom>
+          <a:noFill/>
+          <a:extLst>
+            <a:ext uri="{909E8E84-426E-40DD-AFC4-6F175D3DCCD1}">
+              <a14:hiddenFill xmlns:a14="http://schemas.microsoft.com/office/drawing/2010/main">
+                <a:solidFill>
+                  <a:srgbClr val="FFFFFF"/>
+                </a:solidFill>
+              </a14:hiddenFill>
+            </a:ext>
+          </a:extLst>
+        </p:spPr>
+      </p:pic>
+      <p:sp>
+        <p:nvSpPr>
+          <p:cNvPr id="13" name="TextBox 12"/>
+          <p:cNvSpPr txBox="1"/>
+          <p:nvPr/>
+        </p:nvSpPr>
+        <p:spPr>
+          <a:xfrm>
+            <a:off x="2570354" y="2802788"/>
+            <a:ext cx="877163" cy="369332"/>
+          </a:xfrm>
+          <a:prstGeom prst="rect">
+            <a:avLst/>
+          </a:prstGeom>
+          <a:noFill/>
+        </p:spPr>
+        <p:txBody>
+          <a:bodyPr wrap="none" rtlCol="0">
+            <a:spAutoFit/>
+          </a:bodyPr>
+          <a:lstStyle/>
+          <a:p>
+            <a:r>
+              <a:rPr lang="ko-KR" altLang="en-US" dirty="0" smtClean="0"/>
+              <a:t>인코</a:t>
+            </a:r>
+            <a:r>
+              <a:rPr lang="ko-KR" altLang="en-US" dirty="0"/>
+              <a:t>딩</a:t>
+            </a:r>
+          </a:p>
+        </p:txBody>
+      </p:sp>
+      <p:cxnSp>
+        <p:nvCxnSpPr>
+          <p:cNvPr id="14" name="직선 연결선 13"/>
+          <p:cNvCxnSpPr/>
+          <p:nvPr/>
+        </p:nvCxnSpPr>
+        <p:spPr>
+          <a:xfrm>
+            <a:off x="6723499" y="2318994"/>
+            <a:ext cx="0" cy="433731"/>
+          </a:xfrm>
+          <a:prstGeom prst="line">
+            <a:avLst/>
+          </a:prstGeom>
+          <a:ln w="19050">
+            <a:headEnd type="none" w="med" len="med"/>
+            <a:tailEnd type="arrow" w="med" len="med"/>
+          </a:ln>
+        </p:spPr>
+        <p:style>
+          <a:lnRef idx="1">
+            <a:schemeClr val="accent1"/>
+          </a:lnRef>
+          <a:fillRef idx="0">
+            <a:schemeClr val="accent1"/>
+          </a:fillRef>
+          <a:effectRef idx="0">
+            <a:schemeClr val="accent1"/>
+          </a:effectRef>
+          <a:fontRef idx="minor">
+            <a:schemeClr val="tx1"/>
+          </a:fontRef>
+        </p:style>
+      </p:cxnSp>
+      <p:pic>
+        <p:nvPicPr>
+          <p:cNvPr id="15" name="Picture 6" descr="https://raw.githubusercontent.com/angeloyeo/angeloyeo.github.io/master/pics/2020-10-10-autoencoder/pic2.png"/>
+          <p:cNvPicPr>
+            <a:picLocks noChangeAspect="1" noChangeArrowheads="1"/>
+          </p:cNvPicPr>
+          <p:nvPr/>
+        </p:nvPicPr>
+        <p:blipFill rotWithShape="1">
+          <a:blip r:embed="rId7">
+            <a:extLst>
+              <a:ext uri="{28A0092B-C50C-407E-A947-70E740481C1C}">
+                <a14:useLocalDpi xmlns:a14="http://schemas.microsoft.com/office/drawing/2010/main" val="0"/>
+              </a:ext>
+            </a:extLst>
+          </a:blip>
+          <a:srcRect l="93401" t="76153" r="1659" b="15476"/>
+          <a:stretch/>
+        </p:blipFill>
+        <p:spPr bwMode="auto">
+          <a:xfrm>
+            <a:off x="6349224" y="1502731"/>
+            <a:ext cx="729696" cy="751432"/>
+          </a:xfrm>
+          <a:prstGeom prst="rect">
+            <a:avLst/>
+          </a:prstGeom>
+          <a:noFill/>
+          <a:extLst>
+            <a:ext uri="{909E8E84-426E-40DD-AFC4-6F175D3DCCD1}">
+              <a14:hiddenFill xmlns:a14="http://schemas.microsoft.com/office/drawing/2010/main">
+                <a:solidFill>
+                  <a:srgbClr val="FFFFFF"/>
+                </a:solidFill>
+              </a14:hiddenFill>
+            </a:ext>
+          </a:extLst>
+        </p:spPr>
+      </p:pic>
+      <p:sp>
+        <p:nvSpPr>
+          <p:cNvPr id="16" name="TextBox 15"/>
+          <p:cNvSpPr txBox="1"/>
+          <p:nvPr/>
+        </p:nvSpPr>
+        <p:spPr>
+          <a:xfrm>
+            <a:off x="6828302" y="2303167"/>
+            <a:ext cx="877163" cy="369332"/>
+          </a:xfrm>
+          <a:prstGeom prst="rect">
+            <a:avLst/>
+          </a:prstGeom>
+          <a:noFill/>
+        </p:spPr>
+        <p:txBody>
+          <a:bodyPr wrap="none" rtlCol="0">
+            <a:spAutoFit/>
+          </a:bodyPr>
+          <a:lstStyle/>
+          <a:p>
+            <a:r>
+              <a:rPr lang="ko-KR" altLang="en-US" dirty="0" smtClean="0"/>
+              <a:t>인코</a:t>
+            </a:r>
+            <a:r>
+              <a:rPr lang="ko-KR" altLang="en-US" dirty="0"/>
+              <a:t>딩</a:t>
+            </a:r>
+          </a:p>
+        </p:txBody>
+      </p:sp>
+      <p:sp>
+        <p:nvSpPr>
+          <p:cNvPr id="17" name="TextBox 16"/>
+          <p:cNvSpPr txBox="1"/>
+          <p:nvPr/>
+        </p:nvSpPr>
+        <p:spPr>
+          <a:xfrm>
+            <a:off x="1895475" y="5010150"/>
+            <a:ext cx="1338828" cy="369332"/>
+          </a:xfrm>
+          <a:prstGeom prst="rect">
+            <a:avLst/>
+          </a:prstGeom>
+          <a:noFill/>
+        </p:spPr>
+        <p:txBody>
+          <a:bodyPr wrap="none" rtlCol="0">
+            <a:spAutoFit/>
+          </a:bodyPr>
+          <a:lstStyle/>
+          <a:p>
+            <a:r>
+              <a:rPr lang="ko-KR" altLang="en-US" smtClean="0"/>
+              <a:t>오토인코더</a:t>
+            </a:r>
+            <a:endParaRPr lang="ko-KR" altLang="en-US"/>
+          </a:p>
+        </p:txBody>
+      </p:sp>
+      <p:sp>
+        <p:nvSpPr>
+          <p:cNvPr id="18" name="TextBox 17"/>
+          <p:cNvSpPr txBox="1"/>
+          <p:nvPr/>
+        </p:nvSpPr>
+        <p:spPr>
+          <a:xfrm>
+            <a:off x="5734858" y="5010150"/>
+            <a:ext cx="2113079" cy="646331"/>
+          </a:xfrm>
+          <a:prstGeom prst="rect">
+            <a:avLst/>
+          </a:prstGeom>
+          <a:noFill/>
+        </p:spPr>
+        <p:txBody>
+          <a:bodyPr wrap="none" rtlCol="0">
+            <a:spAutoFit/>
+          </a:bodyPr>
+          <a:lstStyle/>
+          <a:p>
+            <a:pPr algn="ctr"/>
+            <a:r>
+              <a:rPr lang="ko-KR" altLang="en-US" dirty="0" smtClean="0"/>
+              <a:t>변이형 오토인코더</a:t>
+            </a:r>
+            <a:endParaRPr lang="en-US" altLang="ko-KR" dirty="0" smtClean="0"/>
+          </a:p>
+          <a:p>
+            <a:pPr algn="ctr"/>
+            <a:r>
+              <a:rPr lang="en-US" altLang="ko-KR" dirty="0" smtClean="0"/>
+              <a:t>(Variational AE</a:t>
+            </a:r>
+            <a:r>
+              <a:rPr lang="en-US" altLang="ko-KR" dirty="0" smtClean="0"/>
+              <a:t>)</a:t>
+            </a:r>
+            <a:endParaRPr lang="ko-KR" altLang="en-US" dirty="0"/>
+          </a:p>
+        </p:txBody>
+      </p:sp>
+    </p:spTree>
+    <p:extLst>
+      <p:ext uri="{BB962C8B-B14F-4D97-AF65-F5344CB8AC3E}">
+        <p14:creationId xmlns:p14="http://schemas.microsoft.com/office/powerpoint/2010/main" val="2787654520"/>
+      </p:ext>
+    </p:extLst>
+  </p:cSld>
+  <p:clrMapOvr>
+    <a:masterClrMapping/>
+  </p:clrMapOvr>
+</p:sld>
+</file>
+
+<file path=ppt/slides/slide3.xml><?xml version="1.0" encoding="utf-8"?>
+<p:sld xmlns:a="http://schemas.openxmlformats.org/drawingml/2006/main" xmlns:r="http://schemas.openxmlformats.org/officeDocument/2006/relationships" xmlns:p="http://schemas.openxmlformats.org/presentationml/2006/main">
+  <p:cSld>
+    <p:spTree>
+      <p:nvGrpSpPr>
+        <p:cNvPr id="1" name=""/>
+        <p:cNvGrpSpPr/>
+        <p:nvPr/>
+      </p:nvGrpSpPr>
+      <p:grpSpPr>
+        <a:xfrm>
+          <a:off x="0" y="0"/>
+          <a:ext cx="0" cy="0"/>
+          <a:chOff x="0" y="0"/>
+          <a:chExt cx="0" cy="0"/>
+        </a:xfrm>
+      </p:grpSpPr>
+      <p:pic>
+        <p:nvPicPr>
+          <p:cNvPr id="4" name="Picture 2"/>
+          <p:cNvPicPr>
+            <a:picLocks noChangeAspect="1" noChangeArrowheads="1"/>
+          </p:cNvPicPr>
+          <p:nvPr/>
+        </p:nvPicPr>
+        <p:blipFill rotWithShape="1">
+          <a:blip r:embed="rId2">
+            <a:extLst>
+              <a:ext uri="{28A0092B-C50C-407E-A947-70E740481C1C}">
+                <a14:useLocalDpi xmlns:a14="http://schemas.microsoft.com/office/drawing/2010/main" val="0"/>
+              </a:ext>
+            </a:extLst>
+          </a:blip>
+          <a:srcRect l="59000"/>
+          <a:stretch/>
+        </p:blipFill>
+        <p:spPr bwMode="auto">
+          <a:xfrm>
+            <a:off x="5076825" y="1272709"/>
+            <a:ext cx="3689318" cy="3919537"/>
+          </a:xfrm>
+          <a:prstGeom prst="rect">
+            <a:avLst/>
+          </a:prstGeom>
+          <a:noFill/>
+          <a:ln>
+            <a:noFill/>
+          </a:ln>
+          <a:effectLst/>
+          <a:extLst>
+            <a:ext uri="{909E8E84-426E-40DD-AFC4-6F175D3DCCD1}">
+              <a14:hiddenFill xmlns:a14="http://schemas.microsoft.com/office/drawing/2010/main">
+                <a:solidFill>
+                  <a:schemeClr val="accent1"/>
+                </a:solidFill>
+              </a14:hiddenFill>
+            </a:ext>
+            <a:ext uri="{91240B29-F687-4F45-9708-019B960494DF}">
+              <a14:hiddenLine xmlns:a14="http://schemas.microsoft.com/office/drawing/2010/main" w="9525">
+                <a:solidFill>
+                  <a:schemeClr val="tx1"/>
+                </a:solidFill>
+                <a:miter lim="800000"/>
+                <a:headEnd/>
+                <a:tailEnd/>
+              </a14:hiddenLine>
+            </a:ext>
+            <a:ext uri="{AF507438-7753-43E0-B8FC-AC1667EBCBE1}">
+              <a14:hiddenEffects xmlns:a14="http://schemas.microsoft.com/office/drawing/2010/main">
+                <a:effectLst>
+                  <a:outerShdw dist="35921" dir="2700000" algn="ctr" rotWithShape="0">
+                    <a:schemeClr val="bg2"/>
+                  </a:outerShdw>
+                </a:effectLst>
+              </a14:hiddenEffects>
+            </a:ext>
+          </a:extLst>
+        </p:spPr>
+      </p:pic>
+      <p:pic>
+        <p:nvPicPr>
+          <p:cNvPr id="5" name="Picture 4" descr="https://raw.githubusercontent.com/angeloyeo/angeloyeo.github.io/master/pics/2020-10-10-autoencoder/pic3.png"/>
+          <p:cNvPicPr>
+            <a:picLocks noChangeAspect="1" noChangeArrowheads="1"/>
+          </p:cNvPicPr>
+          <p:nvPr/>
+        </p:nvPicPr>
+        <p:blipFill>
+          <a:blip r:embed="rId3">
+            <a:extLst>
+              <a:ext uri="{28A0092B-C50C-407E-A947-70E740481C1C}">
+                <a14:useLocalDpi xmlns:a14="http://schemas.microsoft.com/office/drawing/2010/main" val="0"/>
+              </a:ext>
+            </a:extLst>
+          </a:blip>
+          <a:srcRect/>
+          <a:stretch>
+            <a:fillRect/>
+          </a:stretch>
+        </p:blipFill>
+        <p:spPr bwMode="auto">
+          <a:xfrm>
+            <a:off x="739164" y="1481239"/>
+            <a:ext cx="3434337" cy="3502479"/>
+          </a:xfrm>
+          <a:prstGeom prst="rect">
+            <a:avLst/>
+          </a:prstGeom>
+          <a:noFill/>
+          <a:extLst>
+            <a:ext uri="{909E8E84-426E-40DD-AFC4-6F175D3DCCD1}">
+              <a14:hiddenFill xmlns:a14="http://schemas.microsoft.com/office/drawing/2010/main">
+                <a:solidFill>
+                  <a:srgbClr val="FFFFFF"/>
+                </a:solidFill>
+              </a14:hiddenFill>
+            </a:ext>
+          </a:extLst>
+        </p:spPr>
+      </p:pic>
+      <p:sp>
+        <p:nvSpPr>
+          <p:cNvPr id="6" name="오른쪽 화살표 5"/>
+          <p:cNvSpPr/>
+          <p:nvPr/>
+        </p:nvSpPr>
+        <p:spPr>
+          <a:xfrm>
+            <a:off x="4438650" y="3074425"/>
+            <a:ext cx="638175" cy="316105"/>
+          </a:xfrm>
+          <a:prstGeom prst="rightArrow">
+            <a:avLst/>
+          </a:prstGeom>
+        </p:spPr>
+        <p:style>
+          <a:lnRef idx="2">
+            <a:schemeClr val="accent1">
+              <a:shade val="50000"/>
+            </a:schemeClr>
+          </a:lnRef>
+          <a:fillRef idx="1">
+            <a:schemeClr val="accent1"/>
+          </a:fillRef>
+          <a:effectRef idx="0">
+            <a:schemeClr val="accent1"/>
+          </a:effectRef>
+          <a:fontRef idx="minor">
+            <a:schemeClr val="lt1"/>
+          </a:fontRef>
+        </p:style>
+        <p:txBody>
+          <a:bodyPr rtlCol="0" anchor="ctr"/>
+          <a:lstStyle/>
+          <a:p>
+            <a:pPr algn="ctr"/>
+            <a:endParaRPr lang="ko-KR" altLang="en-US"/>
+          </a:p>
+        </p:txBody>
+      </p:sp>
+      <p:sp>
+        <p:nvSpPr>
+          <p:cNvPr id="7" name="TextBox 6"/>
+          <p:cNvSpPr txBox="1"/>
+          <p:nvPr/>
+        </p:nvSpPr>
+        <p:spPr>
+          <a:xfrm>
+            <a:off x="1390650" y="5117068"/>
+            <a:ext cx="1853392" cy="369332"/>
+          </a:xfrm>
+          <a:prstGeom prst="rect">
+            <a:avLst/>
+          </a:prstGeom>
+          <a:noFill/>
+        </p:spPr>
+        <p:txBody>
+          <a:bodyPr wrap="none" rtlCol="0">
+            <a:spAutoFit/>
+          </a:bodyPr>
+          <a:lstStyle/>
+          <a:p>
+            <a:r>
+              <a:rPr lang="ko-KR" altLang="en-US" dirty="0" smtClean="0"/>
+              <a:t>잠재공간의 분포</a:t>
+            </a:r>
+            <a:endParaRPr lang="ko-KR" altLang="en-US" dirty="0"/>
+          </a:p>
+        </p:txBody>
+      </p:sp>
+      <p:sp>
+        <p:nvSpPr>
+          <p:cNvPr id="8" name="TextBox 7"/>
+          <p:cNvSpPr txBox="1"/>
+          <p:nvPr/>
+        </p:nvSpPr>
+        <p:spPr>
+          <a:xfrm>
+            <a:off x="6213863" y="5117068"/>
+            <a:ext cx="1675459" cy="369332"/>
+          </a:xfrm>
+          <a:prstGeom prst="rect">
+            <a:avLst/>
+          </a:prstGeom>
+          <a:noFill/>
+        </p:spPr>
+        <p:txBody>
+          <a:bodyPr wrap="none" rtlCol="0">
+            <a:spAutoFit/>
+          </a:bodyPr>
+          <a:lstStyle/>
+          <a:p>
+            <a:r>
+              <a:rPr lang="ko-KR" altLang="en-US" dirty="0" smtClean="0"/>
+              <a:t>표준 정규 분포</a:t>
+            </a:r>
+            <a:endParaRPr lang="ko-KR" altLang="en-US" dirty="0"/>
+          </a:p>
+        </p:txBody>
+      </p:sp>
+    </p:spTree>
+    <p:extLst>
+      <p:ext uri="{BB962C8B-B14F-4D97-AF65-F5344CB8AC3E}">
+        <p14:creationId xmlns:p14="http://schemas.microsoft.com/office/powerpoint/2010/main" val="3197918885"/>
+      </p:ext>
+    </p:extLst>
+  </p:cSld>
+  <p:clrMapOvr>
+    <a:masterClrMapping/>
+  </p:clrMapOvr>
+</p:sld>
+</file>
+
 <file path=ppt/theme/theme1.xml><?xml version="1.0" encoding="utf-8"?>
 <a:theme xmlns:a="http://schemas.openxmlformats.org/drawingml/2006/main" name="Office 테마">
   <a:themeElements>

--- a/pics/2020-10-11-VAE/pics.pptx
+++ b/pics/2020-10-11-VAE/pics.pptx
@@ -8,6 +8,8 @@
     <p:sldId id="256" r:id="rId2"/>
     <p:sldId id="257" r:id="rId3"/>
     <p:sldId id="258" r:id="rId4"/>
+    <p:sldId id="260" r:id="rId5"/>
+    <p:sldId id="259" r:id="rId6"/>
   </p:sldIdLst>
   <p:sldSz cx="9144000" cy="6858000" type="screen4x3"/>
   <p:notesSz cx="6858000" cy="9144000"/>
@@ -106,6 +108,22 @@
       </a:defRPr>
     </a:lvl9pPr>
   </p:defaultTextStyle>
+  <p:extLst>
+    <p:ext uri="{EFAFB233-063F-42B5-8137-9DF3F51BA10A}">
+      <p15:sldGuideLst xmlns:p15="http://schemas.microsoft.com/office/powerpoint/2012/main">
+        <p15:guide id="1" orient="horz" pos="2160">
+          <p15:clr>
+            <a:srgbClr val="A4A3A4"/>
+          </p15:clr>
+        </p15:guide>
+        <p15:guide id="2" pos="2880">
+          <p15:clr>
+            <a:srgbClr val="A4A3A4"/>
+          </p15:clr>
+        </p15:guide>
+      </p15:sldGuideLst>
+    </p:ext>
+  </p:extLst>
 </p:presentation>
 </file>
 
@@ -147,10 +165,9 @@
           <a:lstStyle/>
           <a:p>
             <a:r>
-              <a:rPr lang="ko-KR" altLang="en-US" smtClean="0"/>
+              <a:rPr lang="ko-KR" altLang="en-US"/>
               <a:t>마스터 제목 스타일 편집</a:t>
             </a:r>
-            <a:endParaRPr lang="ko-KR" altLang="en-US"/>
           </a:p>
         </p:txBody>
       </p:sp>
@@ -266,10 +283,9 @@
           </a:lstStyle>
           <a:p>
             <a:r>
-              <a:rPr lang="ko-KR" altLang="en-US" smtClean="0"/>
+              <a:rPr lang="ko-KR" altLang="en-US"/>
               <a:t>마스터 부제목 스타일 편집</a:t>
             </a:r>
-            <a:endParaRPr lang="ko-KR" altLang="en-US"/>
           </a:p>
         </p:txBody>
       </p:sp>
@@ -290,7 +306,7 @@
           <a:p>
             <a:fld id="{FB30EDBD-1C2D-4C1E-B459-B60219FAB484}" type="datetimeFigureOut">
               <a:rPr lang="ko-KR" altLang="en-US" smtClean="0"/>
-              <a:t>2020-11-11</a:t>
+              <a:t>2020-11-13</a:t>
             </a:fld>
             <a:endParaRPr lang="ko-KR" altLang="en-US"/>
           </a:p>
@@ -379,10 +395,9 @@
           <a:lstStyle/>
           <a:p>
             <a:r>
-              <a:rPr lang="ko-KR" altLang="en-US" smtClean="0"/>
+              <a:rPr lang="ko-KR" altLang="en-US"/>
               <a:t>마스터 제목 스타일 편집</a:t>
             </a:r>
-            <a:endParaRPr lang="ko-KR" altLang="en-US"/>
           </a:p>
         </p:txBody>
       </p:sp>
@@ -403,38 +418,37 @@
           <a:p>
             <a:pPr lvl="0"/>
             <a:r>
-              <a:rPr lang="ko-KR" altLang="en-US" smtClean="0"/>
+              <a:rPr lang="ko-KR" altLang="en-US"/>
               <a:t>마스터 텍스트 스타일을 편집합니다</a:t>
             </a:r>
           </a:p>
           <a:p>
             <a:pPr lvl="1"/>
             <a:r>
-              <a:rPr lang="ko-KR" altLang="en-US" smtClean="0"/>
+              <a:rPr lang="ko-KR" altLang="en-US"/>
               <a:t>둘째 수준</a:t>
             </a:r>
           </a:p>
           <a:p>
             <a:pPr lvl="2"/>
             <a:r>
-              <a:rPr lang="ko-KR" altLang="en-US" smtClean="0"/>
+              <a:rPr lang="ko-KR" altLang="en-US"/>
               <a:t>셋째 수준</a:t>
             </a:r>
           </a:p>
           <a:p>
             <a:pPr lvl="3"/>
             <a:r>
-              <a:rPr lang="ko-KR" altLang="en-US" smtClean="0"/>
+              <a:rPr lang="ko-KR" altLang="en-US"/>
               <a:t>넷째 수준</a:t>
             </a:r>
           </a:p>
           <a:p>
             <a:pPr lvl="4"/>
             <a:r>
-              <a:rPr lang="ko-KR" altLang="en-US" smtClean="0"/>
+              <a:rPr lang="ko-KR" altLang="en-US"/>
               <a:t>다섯째 수준</a:t>
             </a:r>
-            <a:endParaRPr lang="ko-KR" altLang="en-US"/>
           </a:p>
         </p:txBody>
       </p:sp>
@@ -455,7 +469,7 @@
           <a:p>
             <a:fld id="{FB30EDBD-1C2D-4C1E-B459-B60219FAB484}" type="datetimeFigureOut">
               <a:rPr lang="ko-KR" altLang="en-US" smtClean="0"/>
-              <a:t>2020-11-11</a:t>
+              <a:t>2020-11-13</a:t>
             </a:fld>
             <a:endParaRPr lang="ko-KR" altLang="en-US"/>
           </a:p>
@@ -549,10 +563,9 @@
           <a:lstStyle/>
           <a:p>
             <a:r>
-              <a:rPr lang="ko-KR" altLang="en-US" smtClean="0"/>
+              <a:rPr lang="ko-KR" altLang="en-US"/>
               <a:t>마스터 제목 스타일 편집</a:t>
             </a:r>
-            <a:endParaRPr lang="ko-KR" altLang="en-US"/>
           </a:p>
         </p:txBody>
       </p:sp>
@@ -578,38 +591,37 @@
           <a:p>
             <a:pPr lvl="0"/>
             <a:r>
-              <a:rPr lang="ko-KR" altLang="en-US" smtClean="0"/>
+              <a:rPr lang="ko-KR" altLang="en-US"/>
               <a:t>마스터 텍스트 스타일을 편집합니다</a:t>
             </a:r>
           </a:p>
           <a:p>
             <a:pPr lvl="1"/>
             <a:r>
-              <a:rPr lang="ko-KR" altLang="en-US" smtClean="0"/>
+              <a:rPr lang="ko-KR" altLang="en-US"/>
               <a:t>둘째 수준</a:t>
             </a:r>
           </a:p>
           <a:p>
             <a:pPr lvl="2"/>
             <a:r>
-              <a:rPr lang="ko-KR" altLang="en-US" smtClean="0"/>
+              <a:rPr lang="ko-KR" altLang="en-US"/>
               <a:t>셋째 수준</a:t>
             </a:r>
           </a:p>
           <a:p>
             <a:pPr lvl="3"/>
             <a:r>
-              <a:rPr lang="ko-KR" altLang="en-US" smtClean="0"/>
+              <a:rPr lang="ko-KR" altLang="en-US"/>
               <a:t>넷째 수준</a:t>
             </a:r>
           </a:p>
           <a:p>
             <a:pPr lvl="4"/>
             <a:r>
-              <a:rPr lang="ko-KR" altLang="en-US" smtClean="0"/>
+              <a:rPr lang="ko-KR" altLang="en-US"/>
               <a:t>다섯째 수준</a:t>
             </a:r>
-            <a:endParaRPr lang="ko-KR" altLang="en-US"/>
           </a:p>
         </p:txBody>
       </p:sp>
@@ -630,7 +642,7 @@
           <a:p>
             <a:fld id="{FB30EDBD-1C2D-4C1E-B459-B60219FAB484}" type="datetimeFigureOut">
               <a:rPr lang="ko-KR" altLang="en-US" smtClean="0"/>
-              <a:t>2020-11-11</a:t>
+              <a:t>2020-11-13</a:t>
             </a:fld>
             <a:endParaRPr lang="ko-KR" altLang="en-US"/>
           </a:p>
@@ -719,10 +731,9 @@
           <a:lstStyle/>
           <a:p>
             <a:r>
-              <a:rPr lang="ko-KR" altLang="en-US" smtClean="0"/>
+              <a:rPr lang="ko-KR" altLang="en-US"/>
               <a:t>마스터 제목 스타일 편집</a:t>
             </a:r>
-            <a:endParaRPr lang="ko-KR" altLang="en-US"/>
           </a:p>
         </p:txBody>
       </p:sp>
@@ -743,38 +754,37 @@
           <a:p>
             <a:pPr lvl="0"/>
             <a:r>
-              <a:rPr lang="ko-KR" altLang="en-US" smtClean="0"/>
+              <a:rPr lang="ko-KR" altLang="en-US"/>
               <a:t>마스터 텍스트 스타일을 편집합니다</a:t>
             </a:r>
           </a:p>
           <a:p>
             <a:pPr lvl="1"/>
             <a:r>
-              <a:rPr lang="ko-KR" altLang="en-US" smtClean="0"/>
+              <a:rPr lang="ko-KR" altLang="en-US"/>
               <a:t>둘째 수준</a:t>
             </a:r>
           </a:p>
           <a:p>
             <a:pPr lvl="2"/>
             <a:r>
-              <a:rPr lang="ko-KR" altLang="en-US" smtClean="0"/>
+              <a:rPr lang="ko-KR" altLang="en-US"/>
               <a:t>셋째 수준</a:t>
             </a:r>
           </a:p>
           <a:p>
             <a:pPr lvl="3"/>
             <a:r>
-              <a:rPr lang="ko-KR" altLang="en-US" smtClean="0"/>
+              <a:rPr lang="ko-KR" altLang="en-US"/>
               <a:t>넷째 수준</a:t>
             </a:r>
           </a:p>
           <a:p>
             <a:pPr lvl="4"/>
             <a:r>
-              <a:rPr lang="ko-KR" altLang="en-US" smtClean="0"/>
+              <a:rPr lang="ko-KR" altLang="en-US"/>
               <a:t>다섯째 수준</a:t>
             </a:r>
-            <a:endParaRPr lang="ko-KR" altLang="en-US"/>
           </a:p>
         </p:txBody>
       </p:sp>
@@ -795,7 +805,7 @@
           <a:p>
             <a:fld id="{FB30EDBD-1C2D-4C1E-B459-B60219FAB484}" type="datetimeFigureOut">
               <a:rPr lang="ko-KR" altLang="en-US" smtClean="0"/>
-              <a:t>2020-11-11</a:t>
+              <a:t>2020-11-13</a:t>
             </a:fld>
             <a:endParaRPr lang="ko-KR" altLang="en-US"/>
           </a:p>
@@ -893,10 +903,9 @@
           </a:lstStyle>
           <a:p>
             <a:r>
-              <a:rPr lang="ko-KR" altLang="en-US" smtClean="0"/>
+              <a:rPr lang="ko-KR" altLang="en-US"/>
               <a:t>마스터 제목 스타일 편집</a:t>
             </a:r>
-            <a:endParaRPr lang="ko-KR" altLang="en-US"/>
           </a:p>
         </p:txBody>
       </p:sp>
@@ -1013,7 +1022,7 @@
           <a:p>
             <a:pPr lvl="0"/>
             <a:r>
-              <a:rPr lang="ko-KR" altLang="en-US" smtClean="0"/>
+              <a:rPr lang="ko-KR" altLang="en-US"/>
               <a:t>마스터 텍스트 스타일을 편집합니다</a:t>
             </a:r>
           </a:p>
@@ -1036,7 +1045,7 @@
           <a:p>
             <a:fld id="{FB30EDBD-1C2D-4C1E-B459-B60219FAB484}" type="datetimeFigureOut">
               <a:rPr lang="ko-KR" altLang="en-US" smtClean="0"/>
-              <a:t>2020-11-11</a:t>
+              <a:t>2020-11-13</a:t>
             </a:fld>
             <a:endParaRPr lang="ko-KR" altLang="en-US"/>
           </a:p>
@@ -1125,10 +1134,9 @@
           <a:lstStyle/>
           <a:p>
             <a:r>
-              <a:rPr lang="ko-KR" altLang="en-US" smtClean="0"/>
+              <a:rPr lang="ko-KR" altLang="en-US"/>
               <a:t>마스터 제목 스타일 편집</a:t>
             </a:r>
-            <a:endParaRPr lang="ko-KR" altLang="en-US"/>
           </a:p>
         </p:txBody>
       </p:sp>
@@ -1182,38 +1190,37 @@
           <a:p>
             <a:pPr lvl="0"/>
             <a:r>
-              <a:rPr lang="ko-KR" altLang="en-US" smtClean="0"/>
+              <a:rPr lang="ko-KR" altLang="en-US"/>
               <a:t>마스터 텍스트 스타일을 편집합니다</a:t>
             </a:r>
           </a:p>
           <a:p>
             <a:pPr lvl="1"/>
             <a:r>
-              <a:rPr lang="ko-KR" altLang="en-US" smtClean="0"/>
+              <a:rPr lang="ko-KR" altLang="en-US"/>
               <a:t>둘째 수준</a:t>
             </a:r>
           </a:p>
           <a:p>
             <a:pPr lvl="2"/>
             <a:r>
-              <a:rPr lang="ko-KR" altLang="en-US" smtClean="0"/>
+              <a:rPr lang="ko-KR" altLang="en-US"/>
               <a:t>셋째 수준</a:t>
             </a:r>
           </a:p>
           <a:p>
             <a:pPr lvl="3"/>
             <a:r>
-              <a:rPr lang="ko-KR" altLang="en-US" smtClean="0"/>
+              <a:rPr lang="ko-KR" altLang="en-US"/>
               <a:t>넷째 수준</a:t>
             </a:r>
           </a:p>
           <a:p>
             <a:pPr lvl="4"/>
             <a:r>
-              <a:rPr lang="ko-KR" altLang="en-US" smtClean="0"/>
+              <a:rPr lang="ko-KR" altLang="en-US"/>
               <a:t>다섯째 수준</a:t>
             </a:r>
-            <a:endParaRPr lang="ko-KR" altLang="en-US"/>
           </a:p>
         </p:txBody>
       </p:sp>
@@ -1267,38 +1274,37 @@
           <a:p>
             <a:pPr lvl="0"/>
             <a:r>
-              <a:rPr lang="ko-KR" altLang="en-US" smtClean="0"/>
+              <a:rPr lang="ko-KR" altLang="en-US"/>
               <a:t>마스터 텍스트 스타일을 편집합니다</a:t>
             </a:r>
           </a:p>
           <a:p>
             <a:pPr lvl="1"/>
             <a:r>
-              <a:rPr lang="ko-KR" altLang="en-US" smtClean="0"/>
+              <a:rPr lang="ko-KR" altLang="en-US"/>
               <a:t>둘째 수준</a:t>
             </a:r>
           </a:p>
           <a:p>
             <a:pPr lvl="2"/>
             <a:r>
-              <a:rPr lang="ko-KR" altLang="en-US" smtClean="0"/>
+              <a:rPr lang="ko-KR" altLang="en-US"/>
               <a:t>셋째 수준</a:t>
             </a:r>
           </a:p>
           <a:p>
             <a:pPr lvl="3"/>
             <a:r>
-              <a:rPr lang="ko-KR" altLang="en-US" smtClean="0"/>
+              <a:rPr lang="ko-KR" altLang="en-US"/>
               <a:t>넷째 수준</a:t>
             </a:r>
           </a:p>
           <a:p>
             <a:pPr lvl="4"/>
             <a:r>
-              <a:rPr lang="ko-KR" altLang="en-US" smtClean="0"/>
+              <a:rPr lang="ko-KR" altLang="en-US"/>
               <a:t>다섯째 수준</a:t>
             </a:r>
-            <a:endParaRPr lang="ko-KR" altLang="en-US"/>
           </a:p>
         </p:txBody>
       </p:sp>
@@ -1319,7 +1325,7 @@
           <a:p>
             <a:fld id="{FB30EDBD-1C2D-4C1E-B459-B60219FAB484}" type="datetimeFigureOut">
               <a:rPr lang="ko-KR" altLang="en-US" smtClean="0"/>
-              <a:t>2020-11-11</a:t>
+              <a:t>2020-11-13</a:t>
             </a:fld>
             <a:endParaRPr lang="ko-KR" altLang="en-US"/>
           </a:p>
@@ -1412,10 +1418,9 @@
           </a:lstStyle>
           <a:p>
             <a:r>
-              <a:rPr lang="ko-KR" altLang="en-US" smtClean="0"/>
+              <a:rPr lang="ko-KR" altLang="en-US"/>
               <a:t>마스터 제목 스타일 편집</a:t>
             </a:r>
-            <a:endParaRPr lang="ko-KR" altLang="en-US"/>
           </a:p>
         </p:txBody>
       </p:sp>
@@ -1478,7 +1483,7 @@
           <a:p>
             <a:pPr lvl="0"/>
             <a:r>
-              <a:rPr lang="ko-KR" altLang="en-US" smtClean="0"/>
+              <a:rPr lang="ko-KR" altLang="en-US"/>
               <a:t>마스터 텍스트 스타일을 편집합니다</a:t>
             </a:r>
           </a:p>
@@ -1534,38 +1539,37 @@
           <a:p>
             <a:pPr lvl="0"/>
             <a:r>
-              <a:rPr lang="ko-KR" altLang="en-US" smtClean="0"/>
+              <a:rPr lang="ko-KR" altLang="en-US"/>
               <a:t>마스터 텍스트 스타일을 편집합니다</a:t>
             </a:r>
           </a:p>
           <a:p>
             <a:pPr lvl="1"/>
             <a:r>
-              <a:rPr lang="ko-KR" altLang="en-US" smtClean="0"/>
+              <a:rPr lang="ko-KR" altLang="en-US"/>
               <a:t>둘째 수준</a:t>
             </a:r>
           </a:p>
           <a:p>
             <a:pPr lvl="2"/>
             <a:r>
-              <a:rPr lang="ko-KR" altLang="en-US" smtClean="0"/>
+              <a:rPr lang="ko-KR" altLang="en-US"/>
               <a:t>셋째 수준</a:t>
             </a:r>
           </a:p>
           <a:p>
             <a:pPr lvl="3"/>
             <a:r>
-              <a:rPr lang="ko-KR" altLang="en-US" smtClean="0"/>
+              <a:rPr lang="ko-KR" altLang="en-US"/>
               <a:t>넷째 수준</a:t>
             </a:r>
           </a:p>
           <a:p>
             <a:pPr lvl="4"/>
             <a:r>
-              <a:rPr lang="ko-KR" altLang="en-US" smtClean="0"/>
+              <a:rPr lang="ko-KR" altLang="en-US"/>
               <a:t>다섯째 수준</a:t>
             </a:r>
-            <a:endParaRPr lang="ko-KR" altLang="en-US"/>
           </a:p>
         </p:txBody>
       </p:sp>
@@ -1628,7 +1632,7 @@
           <a:p>
             <a:pPr lvl="0"/>
             <a:r>
-              <a:rPr lang="ko-KR" altLang="en-US" smtClean="0"/>
+              <a:rPr lang="ko-KR" altLang="en-US"/>
               <a:t>마스터 텍스트 스타일을 편집합니다</a:t>
             </a:r>
           </a:p>
@@ -1684,38 +1688,37 @@
           <a:p>
             <a:pPr lvl="0"/>
             <a:r>
-              <a:rPr lang="ko-KR" altLang="en-US" smtClean="0"/>
+              <a:rPr lang="ko-KR" altLang="en-US"/>
               <a:t>마스터 텍스트 스타일을 편집합니다</a:t>
             </a:r>
           </a:p>
           <a:p>
             <a:pPr lvl="1"/>
             <a:r>
-              <a:rPr lang="ko-KR" altLang="en-US" smtClean="0"/>
+              <a:rPr lang="ko-KR" altLang="en-US"/>
               <a:t>둘째 수준</a:t>
             </a:r>
           </a:p>
           <a:p>
             <a:pPr lvl="2"/>
             <a:r>
-              <a:rPr lang="ko-KR" altLang="en-US" smtClean="0"/>
+              <a:rPr lang="ko-KR" altLang="en-US"/>
               <a:t>셋째 수준</a:t>
             </a:r>
           </a:p>
           <a:p>
             <a:pPr lvl="3"/>
             <a:r>
-              <a:rPr lang="ko-KR" altLang="en-US" smtClean="0"/>
+              <a:rPr lang="ko-KR" altLang="en-US"/>
               <a:t>넷째 수준</a:t>
             </a:r>
           </a:p>
           <a:p>
             <a:pPr lvl="4"/>
             <a:r>
-              <a:rPr lang="ko-KR" altLang="en-US" smtClean="0"/>
+              <a:rPr lang="ko-KR" altLang="en-US"/>
               <a:t>다섯째 수준</a:t>
             </a:r>
-            <a:endParaRPr lang="ko-KR" altLang="en-US"/>
           </a:p>
         </p:txBody>
       </p:sp>
@@ -1736,7 +1739,7 @@
           <a:p>
             <a:fld id="{FB30EDBD-1C2D-4C1E-B459-B60219FAB484}" type="datetimeFigureOut">
               <a:rPr lang="ko-KR" altLang="en-US" smtClean="0"/>
-              <a:t>2020-11-11</a:t>
+              <a:t>2020-11-13</a:t>
             </a:fld>
             <a:endParaRPr lang="ko-KR" altLang="en-US"/>
           </a:p>
@@ -1825,10 +1828,9 @@
           <a:lstStyle/>
           <a:p>
             <a:r>
-              <a:rPr lang="ko-KR" altLang="en-US" smtClean="0"/>
+              <a:rPr lang="ko-KR" altLang="en-US"/>
               <a:t>마스터 제목 스타일 편집</a:t>
             </a:r>
-            <a:endParaRPr lang="ko-KR" altLang="en-US"/>
           </a:p>
         </p:txBody>
       </p:sp>
@@ -1849,7 +1851,7 @@
           <a:p>
             <a:fld id="{FB30EDBD-1C2D-4C1E-B459-B60219FAB484}" type="datetimeFigureOut">
               <a:rPr lang="ko-KR" altLang="en-US" smtClean="0"/>
-              <a:t>2020-11-11</a:t>
+              <a:t>2020-11-13</a:t>
             </a:fld>
             <a:endParaRPr lang="ko-KR" altLang="en-US"/>
           </a:p>
@@ -1939,7 +1941,7 @@
           <a:p>
             <a:fld id="{FB30EDBD-1C2D-4C1E-B459-B60219FAB484}" type="datetimeFigureOut">
               <a:rPr lang="ko-KR" altLang="en-US" smtClean="0"/>
-              <a:t>2020-11-11</a:t>
+              <a:t>2020-11-13</a:t>
             </a:fld>
             <a:endParaRPr lang="ko-KR" altLang="en-US"/>
           </a:p>
@@ -2037,10 +2039,9 @@
           </a:lstStyle>
           <a:p>
             <a:r>
-              <a:rPr lang="ko-KR" altLang="en-US" smtClean="0"/>
+              <a:rPr lang="ko-KR" altLang="en-US"/>
               <a:t>마스터 제목 스타일 편집</a:t>
             </a:r>
-            <a:endParaRPr lang="ko-KR" altLang="en-US"/>
           </a:p>
         </p:txBody>
       </p:sp>
@@ -2094,38 +2095,37 @@
           <a:p>
             <a:pPr lvl="0"/>
             <a:r>
-              <a:rPr lang="ko-KR" altLang="en-US" smtClean="0"/>
+              <a:rPr lang="ko-KR" altLang="en-US"/>
               <a:t>마스터 텍스트 스타일을 편집합니다</a:t>
             </a:r>
           </a:p>
           <a:p>
             <a:pPr lvl="1"/>
             <a:r>
-              <a:rPr lang="ko-KR" altLang="en-US" smtClean="0"/>
+              <a:rPr lang="ko-KR" altLang="en-US"/>
               <a:t>둘째 수준</a:t>
             </a:r>
           </a:p>
           <a:p>
             <a:pPr lvl="2"/>
             <a:r>
-              <a:rPr lang="ko-KR" altLang="en-US" smtClean="0"/>
+              <a:rPr lang="ko-KR" altLang="en-US"/>
               <a:t>셋째 수준</a:t>
             </a:r>
           </a:p>
           <a:p>
             <a:pPr lvl="3"/>
             <a:r>
-              <a:rPr lang="ko-KR" altLang="en-US" smtClean="0"/>
+              <a:rPr lang="ko-KR" altLang="en-US"/>
               <a:t>넷째 수준</a:t>
             </a:r>
           </a:p>
           <a:p>
             <a:pPr lvl="4"/>
             <a:r>
-              <a:rPr lang="ko-KR" altLang="en-US" smtClean="0"/>
+              <a:rPr lang="ko-KR" altLang="en-US"/>
               <a:t>다섯째 수준</a:t>
             </a:r>
-            <a:endParaRPr lang="ko-KR" altLang="en-US"/>
           </a:p>
         </p:txBody>
       </p:sp>
@@ -2188,7 +2188,7 @@
           <a:p>
             <a:pPr lvl="0"/>
             <a:r>
-              <a:rPr lang="ko-KR" altLang="en-US" smtClean="0"/>
+              <a:rPr lang="ko-KR" altLang="en-US"/>
               <a:t>마스터 텍스트 스타일을 편집합니다</a:t>
             </a:r>
           </a:p>
@@ -2211,7 +2211,7 @@
           <a:p>
             <a:fld id="{FB30EDBD-1C2D-4C1E-B459-B60219FAB484}" type="datetimeFigureOut">
               <a:rPr lang="ko-KR" altLang="en-US" smtClean="0"/>
-              <a:t>2020-11-11</a:t>
+              <a:t>2020-11-13</a:t>
             </a:fld>
             <a:endParaRPr lang="ko-KR" altLang="en-US"/>
           </a:p>
@@ -2309,10 +2309,9 @@
           </a:lstStyle>
           <a:p>
             <a:r>
-              <a:rPr lang="ko-KR" altLang="en-US" smtClean="0"/>
+              <a:rPr lang="ko-KR" altLang="en-US"/>
               <a:t>마스터 제목 스타일 편집</a:t>
             </a:r>
-            <a:endParaRPr lang="ko-KR" altLang="en-US"/>
           </a:p>
         </p:txBody>
       </p:sp>
@@ -2436,7 +2435,7 @@
           <a:p>
             <a:pPr lvl="0"/>
             <a:r>
-              <a:rPr lang="ko-KR" altLang="en-US" smtClean="0"/>
+              <a:rPr lang="ko-KR" altLang="en-US"/>
               <a:t>마스터 텍스트 스타일을 편집합니다</a:t>
             </a:r>
           </a:p>
@@ -2459,7 +2458,7 @@
           <a:p>
             <a:fld id="{FB30EDBD-1C2D-4C1E-B459-B60219FAB484}" type="datetimeFigureOut">
               <a:rPr lang="ko-KR" altLang="en-US" smtClean="0"/>
-              <a:t>2020-11-11</a:t>
+              <a:t>2020-11-13</a:t>
             </a:fld>
             <a:endParaRPr lang="ko-KR" altLang="en-US"/>
           </a:p>
@@ -2563,10 +2562,9 @@
           <a:lstStyle/>
           <a:p>
             <a:r>
-              <a:rPr lang="ko-KR" altLang="en-US" smtClean="0"/>
+              <a:rPr lang="ko-KR" altLang="en-US"/>
               <a:t>마스터 제목 스타일 편집</a:t>
             </a:r>
-            <a:endParaRPr lang="ko-KR" altLang="en-US"/>
           </a:p>
         </p:txBody>
       </p:sp>
@@ -2597,38 +2595,37 @@
           <a:p>
             <a:pPr lvl="0"/>
             <a:r>
-              <a:rPr lang="ko-KR" altLang="en-US" smtClean="0"/>
+              <a:rPr lang="ko-KR" altLang="en-US"/>
               <a:t>마스터 텍스트 스타일을 편집합니다</a:t>
             </a:r>
           </a:p>
           <a:p>
             <a:pPr lvl="1"/>
             <a:r>
-              <a:rPr lang="ko-KR" altLang="en-US" smtClean="0"/>
+              <a:rPr lang="ko-KR" altLang="en-US"/>
               <a:t>둘째 수준</a:t>
             </a:r>
           </a:p>
           <a:p>
             <a:pPr lvl="2"/>
             <a:r>
-              <a:rPr lang="ko-KR" altLang="en-US" smtClean="0"/>
+              <a:rPr lang="ko-KR" altLang="en-US"/>
               <a:t>셋째 수준</a:t>
             </a:r>
           </a:p>
           <a:p>
             <a:pPr lvl="3"/>
             <a:r>
-              <a:rPr lang="ko-KR" altLang="en-US" smtClean="0"/>
+              <a:rPr lang="ko-KR" altLang="en-US"/>
               <a:t>넷째 수준</a:t>
             </a:r>
           </a:p>
           <a:p>
             <a:pPr lvl="4"/>
             <a:r>
-              <a:rPr lang="ko-KR" altLang="en-US" smtClean="0"/>
+              <a:rPr lang="ko-KR" altLang="en-US"/>
               <a:t>다섯째 수준</a:t>
             </a:r>
-            <a:endParaRPr lang="ko-KR" altLang="en-US"/>
           </a:p>
         </p:txBody>
       </p:sp>
@@ -2667,7 +2664,7 @@
           <a:p>
             <a:fld id="{FB30EDBD-1C2D-4C1E-B459-B60219FAB484}" type="datetimeFigureOut">
               <a:rPr lang="ko-KR" altLang="en-US" smtClean="0"/>
-              <a:t>2020-11-11</a:t>
+              <a:t>2020-11-13</a:t>
             </a:fld>
             <a:endParaRPr lang="ko-KR" altLang="en-US"/>
           </a:p>
@@ -3325,8 +3322,8 @@
           </a:p>
         </p:txBody>
       </p:sp>
-      <mc:AlternateContent xmlns:mc="http://schemas.openxmlformats.org/markup-compatibility/2006">
-        <mc:Choice xmlns:a14="http://schemas.microsoft.com/office/drawing/2010/main" Requires="a14">
+      <mc:AlternateContent xmlns:mc="http://schemas.openxmlformats.org/markup-compatibility/2006" xmlns:a14="http://schemas.microsoft.com/office/drawing/2010/main">
+        <mc:Choice Requires="a14">
           <p:sp>
             <p:nvSpPr>
               <p:cNvPr id="6" name="TextBox 5"/>
@@ -3360,7 +3357,7 @@
                         <m:sSubPr>
                           <m:ctrlPr>
                             <a:rPr lang="en-US" altLang="ko-KR" b="0" i="1" smtClean="0">
-                              <a:latin typeface="Cambria Math"/>
+                              <a:latin typeface="Cambria Math" panose="02040503050406030204" pitchFamily="18" charset="0"/>
                             </a:rPr>
                           </m:ctrlPr>
                         </m:sSubPr>
@@ -3389,7 +3386,7 @@
             </p:txBody>
           </p:sp>
         </mc:Choice>
-        <mc:Fallback>
+        <mc:Fallback xmlns="">
           <p:sp>
             <p:nvSpPr>
               <p:cNvPr id="6" name="TextBox 5"/>
@@ -3428,8 +3425,8 @@
           </p:sp>
         </mc:Fallback>
       </mc:AlternateContent>
-      <mc:AlternateContent xmlns:mc="http://schemas.openxmlformats.org/markup-compatibility/2006">
-        <mc:Choice xmlns:a14="http://schemas.microsoft.com/office/drawing/2010/main" Requires="a14">
+      <mc:AlternateContent xmlns:mc="http://schemas.openxmlformats.org/markup-compatibility/2006" xmlns:a14="http://schemas.microsoft.com/office/drawing/2010/main">
+        <mc:Choice Requires="a14">
           <p:sp>
             <p:nvSpPr>
               <p:cNvPr id="7" name="TextBox 6"/>
@@ -3463,7 +3460,7 @@
                         <m:sSubPr>
                           <m:ctrlPr>
                             <a:rPr lang="en-US" altLang="ko-KR" b="0" i="1" smtClean="0">
-                              <a:latin typeface="Cambria Math"/>
+                              <a:latin typeface="Cambria Math" panose="02040503050406030204" pitchFamily="18" charset="0"/>
                             </a:rPr>
                           </m:ctrlPr>
                         </m:sSubPr>
@@ -3492,7 +3489,7 @@
             </p:txBody>
           </p:sp>
         </mc:Choice>
-        <mc:Fallback>
+        <mc:Fallback xmlns="">
           <p:sp>
             <p:nvSpPr>
               <p:cNvPr id="7" name="TextBox 6"/>
@@ -3531,8 +3528,8 @@
           </p:sp>
         </mc:Fallback>
       </mc:AlternateContent>
-      <mc:AlternateContent xmlns:mc="http://schemas.openxmlformats.org/markup-compatibility/2006">
-        <mc:Choice xmlns:a14="http://schemas.microsoft.com/office/drawing/2010/main" Requires="a14">
+      <mc:AlternateContent xmlns:mc="http://schemas.openxmlformats.org/markup-compatibility/2006" xmlns:a14="http://schemas.microsoft.com/office/drawing/2010/main">
+        <mc:Choice Requires="a14">
           <p:sp>
             <p:nvSpPr>
               <p:cNvPr id="8" name="TextBox 7"/>
@@ -3566,7 +3563,7 @@
                         <m:sSubPr>
                           <m:ctrlPr>
                             <a:rPr lang="en-US" altLang="ko-KR" b="0" i="1" smtClean="0">
-                              <a:latin typeface="Cambria Math"/>
+                              <a:latin typeface="Cambria Math" panose="02040503050406030204" pitchFamily="18" charset="0"/>
                             </a:rPr>
                           </m:ctrlPr>
                         </m:sSubPr>
@@ -3595,7 +3592,7 @@
             </p:txBody>
           </p:sp>
         </mc:Choice>
-        <mc:Fallback>
+        <mc:Fallback xmlns="">
           <p:sp>
             <p:nvSpPr>
               <p:cNvPr id="8" name="TextBox 7"/>
@@ -3634,8 +3631,8 @@
           </p:sp>
         </mc:Fallback>
       </mc:AlternateContent>
-      <mc:AlternateContent xmlns:mc="http://schemas.openxmlformats.org/markup-compatibility/2006">
-        <mc:Choice xmlns:a14="http://schemas.microsoft.com/office/drawing/2010/main" Requires="a14">
+      <mc:AlternateContent xmlns:mc="http://schemas.openxmlformats.org/markup-compatibility/2006" xmlns:a14="http://schemas.microsoft.com/office/drawing/2010/main">
+        <mc:Choice Requires="a14">
           <p:sp>
             <p:nvSpPr>
               <p:cNvPr id="9" name="TextBox 8"/>
@@ -3669,7 +3666,7 @@
                         <m:sSubPr>
                           <m:ctrlPr>
                             <a:rPr lang="en-US" altLang="ko-KR" b="0" i="1" smtClean="0">
-                              <a:latin typeface="Cambria Math"/>
+                              <a:latin typeface="Cambria Math" panose="02040503050406030204" pitchFamily="18" charset="0"/>
                             </a:rPr>
                           </m:ctrlPr>
                         </m:sSubPr>
@@ -3698,7 +3695,7 @@
             </p:txBody>
           </p:sp>
         </mc:Choice>
-        <mc:Fallback>
+        <mc:Fallback xmlns="">
           <p:sp>
             <p:nvSpPr>
               <p:cNvPr id="9" name="TextBox 8"/>
@@ -3876,12 +3873,8 @@
           <a:lstStyle/>
           <a:p>
             <a:r>
-              <a:rPr lang="ko-KR" altLang="en-US" dirty="0" smtClean="0"/>
-              <a:t>인코</a:t>
-            </a:r>
-            <a:r>
               <a:rPr lang="ko-KR" altLang="en-US" dirty="0"/>
-              <a:t>딩</a:t>
+              <a:t>인코딩</a:t>
             </a:r>
           </a:p>
         </p:txBody>
@@ -3982,12 +3975,8 @@
           <a:lstStyle/>
           <a:p>
             <a:r>
-              <a:rPr lang="ko-KR" altLang="en-US" dirty="0" smtClean="0"/>
-              <a:t>인코</a:t>
-            </a:r>
-            <a:r>
               <a:rPr lang="ko-KR" altLang="en-US" dirty="0"/>
-              <a:t>딩</a:t>
+              <a:t>인코딩</a:t>
             </a:r>
           </a:p>
         </p:txBody>
@@ -4015,10 +4004,9 @@
           <a:lstStyle/>
           <a:p>
             <a:r>
-              <a:rPr lang="ko-KR" altLang="en-US" smtClean="0"/>
+              <a:rPr lang="ko-KR" altLang="en-US"/>
               <a:t>오토인코더</a:t>
             </a:r>
-            <a:endParaRPr lang="ko-KR" altLang="en-US"/>
           </a:p>
         </p:txBody>
       </p:sp>
@@ -4046,20 +4034,16 @@
           <a:p>
             <a:pPr algn="ctr"/>
             <a:r>
-              <a:rPr lang="ko-KR" altLang="en-US" dirty="0" smtClean="0"/>
+              <a:rPr lang="ko-KR" altLang="en-US" dirty="0"/>
               <a:t>변이형 오토인코더</a:t>
             </a:r>
-            <a:endParaRPr lang="en-US" altLang="ko-KR" dirty="0" smtClean="0"/>
+            <a:endParaRPr lang="en-US" altLang="ko-KR" dirty="0"/>
           </a:p>
           <a:p>
             <a:pPr algn="ctr"/>
             <a:r>
-              <a:rPr lang="en-US" altLang="ko-KR" dirty="0" smtClean="0"/>
-              <a:t>(Variational AE</a:t>
-            </a:r>
-            <a:r>
-              <a:rPr lang="en-US" altLang="ko-KR" dirty="0" smtClean="0"/>
-              <a:t>)</a:t>
+              <a:rPr lang="en-US" altLang="ko-KR" dirty="0"/>
+              <a:t>(Variational AE)</a:t>
             </a:r>
             <a:endParaRPr lang="ko-KR" altLang="en-US" dirty="0"/>
           </a:p>
@@ -4261,10 +4245,9 @@
           <a:lstStyle/>
           <a:p>
             <a:r>
-              <a:rPr lang="ko-KR" altLang="en-US" dirty="0" smtClean="0"/>
+              <a:rPr lang="ko-KR" altLang="en-US" dirty="0"/>
               <a:t>잠재공간의 분포</a:t>
             </a:r>
-            <a:endParaRPr lang="ko-KR" altLang="en-US" dirty="0"/>
           </a:p>
         </p:txBody>
       </p:sp>
@@ -4291,10 +4274,9 @@
           <a:lstStyle/>
           <a:p>
             <a:r>
-              <a:rPr lang="ko-KR" altLang="en-US" dirty="0" smtClean="0"/>
+              <a:rPr lang="ko-KR" altLang="en-US" dirty="0"/>
               <a:t>표준 정규 분포</a:t>
             </a:r>
-            <a:endParaRPr lang="ko-KR" altLang="en-US" dirty="0"/>
           </a:p>
         </p:txBody>
       </p:sp>
@@ -4302,6 +4284,194 @@
     <p:extLst>
       <p:ext uri="{BB962C8B-B14F-4D97-AF65-F5344CB8AC3E}">
         <p14:creationId xmlns:p14="http://schemas.microsoft.com/office/powerpoint/2010/main" val="3197918885"/>
+      </p:ext>
+    </p:extLst>
+  </p:cSld>
+  <p:clrMapOvr>
+    <a:masterClrMapping/>
+  </p:clrMapOvr>
+</p:sld>
+</file>
+
+<file path=ppt/slides/slide4.xml><?xml version="1.0" encoding="utf-8"?>
+<p:sld xmlns:a="http://schemas.openxmlformats.org/drawingml/2006/main" xmlns:r="http://schemas.openxmlformats.org/officeDocument/2006/relationships" xmlns:p="http://schemas.openxmlformats.org/presentationml/2006/main">
+  <p:cSld>
+    <p:spTree>
+      <p:nvGrpSpPr>
+        <p:cNvPr id="1" name=""/>
+        <p:cNvGrpSpPr/>
+        <p:nvPr/>
+      </p:nvGrpSpPr>
+      <p:grpSpPr>
+        <a:xfrm>
+          <a:off x="0" y="0"/>
+          <a:ext cx="0" cy="0"/>
+          <a:chOff x="0" y="0"/>
+          <a:chExt cx="0" cy="0"/>
+        </a:xfrm>
+      </p:grpSpPr>
+      <p:pic>
+        <p:nvPicPr>
+          <p:cNvPr id="5" name="그림 4">
+            <a:extLst>
+              <a:ext uri="{FF2B5EF4-FFF2-40B4-BE49-F238E27FC236}">
+                <a16:creationId xmlns:a16="http://schemas.microsoft.com/office/drawing/2014/main" id="{09930F57-3698-4856-8255-1995A27E6829}"/>
+              </a:ext>
+            </a:extLst>
+          </p:cNvPr>
+          <p:cNvPicPr>
+            <a:picLocks noChangeAspect="1"/>
+          </p:cNvPicPr>
+          <p:nvPr/>
+        </p:nvPicPr>
+        <p:blipFill rotWithShape="1">
+          <a:blip r:embed="rId2">
+            <a:extLst>
+              <a:ext uri="{28A0092B-C50C-407E-A947-70E740481C1C}">
+                <a14:useLocalDpi xmlns:a14="http://schemas.microsoft.com/office/drawing/2010/main" val="0"/>
+              </a:ext>
+            </a:extLst>
+          </a:blip>
+          <a:srcRect r="50000"/>
+          <a:stretch/>
+        </p:blipFill>
+        <p:spPr>
+          <a:xfrm>
+            <a:off x="2286000" y="1262286"/>
+            <a:ext cx="4572000" cy="4333427"/>
+          </a:xfrm>
+          <a:prstGeom prst="rect">
+            <a:avLst/>
+          </a:prstGeom>
+        </p:spPr>
+      </p:pic>
+    </p:spTree>
+    <p:extLst>
+      <p:ext uri="{BB962C8B-B14F-4D97-AF65-F5344CB8AC3E}">
+        <p14:creationId xmlns:p14="http://schemas.microsoft.com/office/powerpoint/2010/main" val="3402100137"/>
+      </p:ext>
+    </p:extLst>
+  </p:cSld>
+  <p:clrMapOvr>
+    <a:masterClrMapping/>
+  </p:clrMapOvr>
+</p:sld>
+</file>
+
+<file path=ppt/slides/slide5.xml><?xml version="1.0" encoding="utf-8"?>
+<p:sld xmlns:a="http://schemas.openxmlformats.org/drawingml/2006/main" xmlns:r="http://schemas.openxmlformats.org/officeDocument/2006/relationships" xmlns:p="http://schemas.openxmlformats.org/presentationml/2006/main">
+  <p:cSld>
+    <p:spTree>
+      <p:nvGrpSpPr>
+        <p:cNvPr id="1" name=""/>
+        <p:cNvGrpSpPr/>
+        <p:nvPr/>
+      </p:nvGrpSpPr>
+      <p:grpSpPr>
+        <a:xfrm>
+          <a:off x="0" y="0"/>
+          <a:ext cx="0" cy="0"/>
+          <a:chOff x="0" y="0"/>
+          <a:chExt cx="0" cy="0"/>
+        </a:xfrm>
+      </p:grpSpPr>
+      <p:grpSp>
+        <p:nvGrpSpPr>
+          <p:cNvPr id="8" name="그룹 7">
+            <a:extLst>
+              <a:ext uri="{FF2B5EF4-FFF2-40B4-BE49-F238E27FC236}">
+                <a16:creationId xmlns:a16="http://schemas.microsoft.com/office/drawing/2014/main" id="{19F18A57-306A-46B3-9889-E4B169725E32}"/>
+              </a:ext>
+            </a:extLst>
+          </p:cNvPr>
+          <p:cNvGrpSpPr/>
+          <p:nvPr/>
+        </p:nvGrpSpPr>
+        <p:grpSpPr>
+          <a:xfrm>
+            <a:off x="186791" y="1200691"/>
+            <a:ext cx="8770418" cy="4452818"/>
+            <a:chOff x="-252537" y="973944"/>
+            <a:chExt cx="9663633" cy="4906312"/>
+          </a:xfrm>
+        </p:grpSpPr>
+        <p:pic>
+          <p:nvPicPr>
+            <p:cNvPr id="5" name="그림 4">
+              <a:extLst>
+                <a:ext uri="{FF2B5EF4-FFF2-40B4-BE49-F238E27FC236}">
+                  <a16:creationId xmlns:a16="http://schemas.microsoft.com/office/drawing/2014/main" id="{E5D4754C-5D91-42F6-B213-EE4AE1AF4061}"/>
+                </a:ext>
+              </a:extLst>
+            </p:cNvPr>
+            <p:cNvPicPr>
+              <a:picLocks noChangeAspect="1"/>
+            </p:cNvPicPr>
+            <p:nvPr/>
+          </p:nvPicPr>
+          <p:blipFill>
+            <a:blip r:embed="rId2">
+              <a:extLst>
+                <a:ext uri="{28A0092B-C50C-407E-A947-70E740481C1C}">
+                  <a14:useLocalDpi xmlns:a14="http://schemas.microsoft.com/office/drawing/2010/main" val="0"/>
+                </a:ext>
+              </a:extLst>
+            </a:blip>
+            <a:stretch>
+              <a:fillRect/>
+            </a:stretch>
+          </p:blipFill>
+          <p:spPr>
+            <a:xfrm>
+              <a:off x="-252537" y="977744"/>
+              <a:ext cx="4673600" cy="4902512"/>
+            </a:xfrm>
+            <a:prstGeom prst="rect">
+              <a:avLst/>
+            </a:prstGeom>
+          </p:spPr>
+        </p:pic>
+        <p:pic>
+          <p:nvPicPr>
+            <p:cNvPr id="7" name="그림 6">
+              <a:extLst>
+                <a:ext uri="{FF2B5EF4-FFF2-40B4-BE49-F238E27FC236}">
+                  <a16:creationId xmlns:a16="http://schemas.microsoft.com/office/drawing/2014/main" id="{A106B418-0ED0-4EC4-AC8D-4FFA65C4A329}"/>
+                </a:ext>
+              </a:extLst>
+            </p:cNvPr>
+            <p:cNvPicPr>
+              <a:picLocks noChangeAspect="1"/>
+            </p:cNvPicPr>
+            <p:nvPr/>
+          </p:nvPicPr>
+          <p:blipFill>
+            <a:blip r:embed="rId3">
+              <a:extLst>
+                <a:ext uri="{28A0092B-C50C-407E-A947-70E740481C1C}">
+                  <a14:useLocalDpi xmlns:a14="http://schemas.microsoft.com/office/drawing/2010/main" val="0"/>
+                </a:ext>
+              </a:extLst>
+            </a:blip>
+            <a:stretch>
+              <a:fillRect/>
+            </a:stretch>
+          </p:blipFill>
+          <p:spPr>
+            <a:xfrm>
+              <a:off x="4355976" y="973944"/>
+              <a:ext cx="5055120" cy="4902512"/>
+            </a:xfrm>
+            <a:prstGeom prst="rect">
+              <a:avLst/>
+            </a:prstGeom>
+          </p:spPr>
+        </p:pic>
+      </p:grpSp>
+    </p:spTree>
+    <p:extLst>
+      <p:ext uri="{BB962C8B-B14F-4D97-AF65-F5344CB8AC3E}">
+        <p14:creationId xmlns:p14="http://schemas.microsoft.com/office/powerpoint/2010/main" val="1842466028"/>
       </p:ext>
     </p:extLst>
   </p:cSld>

--- a/pics/2020-10-11-VAE/pics.pptx
+++ b/pics/2020-10-11-VAE/pics.pptx
@@ -7,9 +7,11 @@
   <p:sldIdLst>
     <p:sldId id="256" r:id="rId2"/>
     <p:sldId id="257" r:id="rId3"/>
-    <p:sldId id="258" r:id="rId4"/>
-    <p:sldId id="260" r:id="rId5"/>
-    <p:sldId id="259" r:id="rId6"/>
+    <p:sldId id="261" r:id="rId4"/>
+    <p:sldId id="258" r:id="rId5"/>
+    <p:sldId id="262" r:id="rId6"/>
+    <p:sldId id="260" r:id="rId7"/>
+    <p:sldId id="259" r:id="rId8"/>
   </p:sldIdLst>
   <p:sldSz cx="9144000" cy="6858000" type="screen4x3"/>
   <p:notesSz cx="6858000" cy="9144000"/>
@@ -306,7 +308,7 @@
           <a:p>
             <a:fld id="{FB30EDBD-1C2D-4C1E-B459-B60219FAB484}" type="datetimeFigureOut">
               <a:rPr lang="ko-KR" altLang="en-US" smtClean="0"/>
-              <a:t>2020-11-13</a:t>
+              <a:t>2023-05-05</a:t>
             </a:fld>
             <a:endParaRPr lang="ko-KR" altLang="en-US"/>
           </a:p>
@@ -469,7 +471,7 @@
           <a:p>
             <a:fld id="{FB30EDBD-1C2D-4C1E-B459-B60219FAB484}" type="datetimeFigureOut">
               <a:rPr lang="ko-KR" altLang="en-US" smtClean="0"/>
-              <a:t>2020-11-13</a:t>
+              <a:t>2023-05-05</a:t>
             </a:fld>
             <a:endParaRPr lang="ko-KR" altLang="en-US"/>
           </a:p>
@@ -642,7 +644,7 @@
           <a:p>
             <a:fld id="{FB30EDBD-1C2D-4C1E-B459-B60219FAB484}" type="datetimeFigureOut">
               <a:rPr lang="ko-KR" altLang="en-US" smtClean="0"/>
-              <a:t>2020-11-13</a:t>
+              <a:t>2023-05-05</a:t>
             </a:fld>
             <a:endParaRPr lang="ko-KR" altLang="en-US"/>
           </a:p>
@@ -805,7 +807,7 @@
           <a:p>
             <a:fld id="{FB30EDBD-1C2D-4C1E-B459-B60219FAB484}" type="datetimeFigureOut">
               <a:rPr lang="ko-KR" altLang="en-US" smtClean="0"/>
-              <a:t>2020-11-13</a:t>
+              <a:t>2023-05-05</a:t>
             </a:fld>
             <a:endParaRPr lang="ko-KR" altLang="en-US"/>
           </a:p>
@@ -1045,7 +1047,7 @@
           <a:p>
             <a:fld id="{FB30EDBD-1C2D-4C1E-B459-B60219FAB484}" type="datetimeFigureOut">
               <a:rPr lang="ko-KR" altLang="en-US" smtClean="0"/>
-              <a:t>2020-11-13</a:t>
+              <a:t>2023-05-05</a:t>
             </a:fld>
             <a:endParaRPr lang="ko-KR" altLang="en-US"/>
           </a:p>
@@ -1325,7 +1327,7 @@
           <a:p>
             <a:fld id="{FB30EDBD-1C2D-4C1E-B459-B60219FAB484}" type="datetimeFigureOut">
               <a:rPr lang="ko-KR" altLang="en-US" smtClean="0"/>
-              <a:t>2020-11-13</a:t>
+              <a:t>2023-05-05</a:t>
             </a:fld>
             <a:endParaRPr lang="ko-KR" altLang="en-US"/>
           </a:p>
@@ -1739,7 +1741,7 @@
           <a:p>
             <a:fld id="{FB30EDBD-1C2D-4C1E-B459-B60219FAB484}" type="datetimeFigureOut">
               <a:rPr lang="ko-KR" altLang="en-US" smtClean="0"/>
-              <a:t>2020-11-13</a:t>
+              <a:t>2023-05-05</a:t>
             </a:fld>
             <a:endParaRPr lang="ko-KR" altLang="en-US"/>
           </a:p>
@@ -1851,7 +1853,7 @@
           <a:p>
             <a:fld id="{FB30EDBD-1C2D-4C1E-B459-B60219FAB484}" type="datetimeFigureOut">
               <a:rPr lang="ko-KR" altLang="en-US" smtClean="0"/>
-              <a:t>2020-11-13</a:t>
+              <a:t>2023-05-05</a:t>
             </a:fld>
             <a:endParaRPr lang="ko-KR" altLang="en-US"/>
           </a:p>
@@ -1941,7 +1943,7 @@
           <a:p>
             <a:fld id="{FB30EDBD-1C2D-4C1E-B459-B60219FAB484}" type="datetimeFigureOut">
               <a:rPr lang="ko-KR" altLang="en-US" smtClean="0"/>
-              <a:t>2020-11-13</a:t>
+              <a:t>2023-05-05</a:t>
             </a:fld>
             <a:endParaRPr lang="ko-KR" altLang="en-US"/>
           </a:p>
@@ -2211,7 +2213,7 @@
           <a:p>
             <a:fld id="{FB30EDBD-1C2D-4C1E-B459-B60219FAB484}" type="datetimeFigureOut">
               <a:rPr lang="ko-KR" altLang="en-US" smtClean="0"/>
-              <a:t>2020-11-13</a:t>
+              <a:t>2023-05-05</a:t>
             </a:fld>
             <a:endParaRPr lang="ko-KR" altLang="en-US"/>
           </a:p>
@@ -2458,7 +2460,7 @@
           <a:p>
             <a:fld id="{FB30EDBD-1C2D-4C1E-B459-B60219FAB484}" type="datetimeFigureOut">
               <a:rPr lang="ko-KR" altLang="en-US" smtClean="0"/>
-              <a:t>2020-11-13</a:t>
+              <a:t>2023-05-05</a:t>
             </a:fld>
             <a:endParaRPr lang="ko-KR" altLang="en-US"/>
           </a:p>
@@ -2664,7 +2666,7 @@
           <a:p>
             <a:fld id="{FB30EDBD-1C2D-4C1E-B459-B60219FAB484}" type="datetimeFigureOut">
               <a:rPr lang="ko-KR" altLang="en-US" smtClean="0"/>
-              <a:t>2020-11-13</a:t>
+              <a:t>2023-05-05</a:t>
             </a:fld>
             <a:endParaRPr lang="ko-KR" altLang="en-US"/>
           </a:p>
@@ -4095,6 +4097,919 @@
               </a:ext>
             </a:extLst>
           </a:blip>
+          <a:srcRect l="21914" t="32339" r="17800" b="13007"/>
+          <a:stretch/>
+        </p:blipFill>
+        <p:spPr bwMode="auto">
+          <a:xfrm>
+            <a:off x="5153025" y="2802788"/>
+            <a:ext cx="3209925" cy="2181225"/>
+          </a:xfrm>
+          <a:prstGeom prst="rect">
+            <a:avLst/>
+          </a:prstGeom>
+          <a:noFill/>
+          <a:ln>
+            <a:noFill/>
+          </a:ln>
+          <a:effectLst/>
+          <a:extLst>
+            <a:ext uri="{909E8E84-426E-40DD-AFC4-6F175D3DCCD1}">
+              <a14:hiddenFill xmlns:a14="http://schemas.microsoft.com/office/drawing/2010/main">
+                <a:solidFill>
+                  <a:schemeClr val="accent1"/>
+                </a:solidFill>
+              </a14:hiddenFill>
+            </a:ext>
+            <a:ext uri="{91240B29-F687-4F45-9708-019B960494DF}">
+              <a14:hiddenLine xmlns:a14="http://schemas.microsoft.com/office/drawing/2010/main" w="9525">
+                <a:solidFill>
+                  <a:schemeClr val="tx1"/>
+                </a:solidFill>
+                <a:miter lim="800000"/>
+                <a:headEnd/>
+                <a:tailEnd/>
+              </a14:hiddenLine>
+            </a:ext>
+            <a:ext uri="{AF507438-7753-43E0-B8FC-AC1667EBCBE1}">
+              <a14:hiddenEffects xmlns:a14="http://schemas.microsoft.com/office/drawing/2010/main">
+                <a:effectLst>
+                  <a:outerShdw dist="35921" dir="2700000" algn="ctr" rotWithShape="0">
+                    <a:schemeClr val="bg2"/>
+                  </a:outerShdw>
+                </a:effectLst>
+              </a14:hiddenEffects>
+            </a:ext>
+          </a:extLst>
+        </p:spPr>
+      </p:pic>
+      <p:sp>
+        <p:nvSpPr>
+          <p:cNvPr id="5" name="자유형 4"/>
+          <p:cNvSpPr/>
+          <p:nvPr/>
+        </p:nvSpPr>
+        <p:spPr>
+          <a:xfrm>
+            <a:off x="1009649" y="3627947"/>
+            <a:ext cx="3095625" cy="1143000"/>
+          </a:xfrm>
+          <a:custGeom>
+            <a:avLst/>
+            <a:gdLst>
+              <a:gd name="connsiteX0" fmla="*/ 0 w 3095625"/>
+              <a:gd name="connsiteY0" fmla="*/ 523875 h 1143000"/>
+              <a:gd name="connsiteX1" fmla="*/ 1343025 w 3095625"/>
+              <a:gd name="connsiteY1" fmla="*/ 1143000 h 1143000"/>
+              <a:gd name="connsiteX2" fmla="*/ 3095625 w 3095625"/>
+              <a:gd name="connsiteY2" fmla="*/ 666750 h 1143000"/>
+              <a:gd name="connsiteX3" fmla="*/ 1700213 w 3095625"/>
+              <a:gd name="connsiteY3" fmla="*/ 0 h 1143000"/>
+              <a:gd name="connsiteX4" fmla="*/ 0 w 3095625"/>
+              <a:gd name="connsiteY4" fmla="*/ 523875 h 1143000"/>
+            </a:gdLst>
+            <a:ahLst/>
+            <a:cxnLst>
+              <a:cxn ang="0">
+                <a:pos x="connsiteX0" y="connsiteY0"/>
+              </a:cxn>
+              <a:cxn ang="0">
+                <a:pos x="connsiteX1" y="connsiteY1"/>
+              </a:cxn>
+              <a:cxn ang="0">
+                <a:pos x="connsiteX2" y="connsiteY2"/>
+              </a:cxn>
+              <a:cxn ang="0">
+                <a:pos x="connsiteX3" y="connsiteY3"/>
+              </a:cxn>
+              <a:cxn ang="0">
+                <a:pos x="connsiteX4" y="connsiteY4"/>
+              </a:cxn>
+            </a:cxnLst>
+            <a:rect l="l" t="t" r="r" b="b"/>
+            <a:pathLst>
+              <a:path w="3095625" h="1143000">
+                <a:moveTo>
+                  <a:pt x="0" y="523875"/>
+                </a:moveTo>
+                <a:lnTo>
+                  <a:pt x="1343025" y="1143000"/>
+                </a:lnTo>
+                <a:lnTo>
+                  <a:pt x="3095625" y="666750"/>
+                </a:lnTo>
+                <a:lnTo>
+                  <a:pt x="1700213" y="0"/>
+                </a:lnTo>
+                <a:lnTo>
+                  <a:pt x="0" y="523875"/>
+                </a:lnTo>
+                <a:close/>
+              </a:path>
+            </a:pathLst>
+          </a:custGeom>
+          <a:solidFill>
+            <a:schemeClr val="bg1"/>
+          </a:solidFill>
+          <a:ln w="19050">
+            <a:solidFill>
+              <a:schemeClr val="tx1"/>
+            </a:solidFill>
+          </a:ln>
+        </p:spPr>
+        <p:style>
+          <a:lnRef idx="2">
+            <a:schemeClr val="accent1">
+              <a:shade val="50000"/>
+            </a:schemeClr>
+          </a:lnRef>
+          <a:fillRef idx="1">
+            <a:schemeClr val="accent1"/>
+          </a:fillRef>
+          <a:effectRef idx="0">
+            <a:schemeClr val="accent1"/>
+          </a:effectRef>
+          <a:fontRef idx="minor">
+            <a:schemeClr val="lt1"/>
+          </a:fontRef>
+        </p:style>
+        <p:txBody>
+          <a:bodyPr rtlCol="0" anchor="ctr"/>
+          <a:lstStyle/>
+          <a:p>
+            <a:pPr algn="ctr"/>
+            <a:endParaRPr lang="ko-KR" altLang="en-US"/>
+          </a:p>
+        </p:txBody>
+      </p:sp>
+      <mc:AlternateContent xmlns:mc="http://schemas.openxmlformats.org/markup-compatibility/2006" xmlns:a14="http://schemas.microsoft.com/office/drawing/2010/main">
+        <mc:Choice Requires="a14">
+          <p:sp>
+            <p:nvSpPr>
+              <p:cNvPr id="6" name="TextBox 5"/>
+              <p:cNvSpPr txBox="1"/>
+              <p:nvPr/>
+            </p:nvSpPr>
+            <p:spPr>
+              <a:xfrm>
+                <a:off x="3138828" y="4498838"/>
+                <a:ext cx="466089" cy="369332"/>
+              </a:xfrm>
+              <a:prstGeom prst="rect">
+                <a:avLst/>
+              </a:prstGeom>
+              <a:noFill/>
+            </p:spPr>
+            <p:txBody>
+              <a:bodyPr wrap="none" rtlCol="0">
+                <a:spAutoFit/>
+              </a:bodyPr>
+              <a:lstStyle/>
+              <a:p>
+                <a:pPr/>
+                <a14:m>
+                  <m:oMathPara xmlns:m="http://schemas.openxmlformats.org/officeDocument/2006/math">
+                    <m:oMathParaPr>
+                      <m:jc m:val="centerGroup"/>
+                    </m:oMathParaPr>
+                    <m:oMath xmlns:m="http://schemas.openxmlformats.org/officeDocument/2006/math">
+                      <m:sSub>
+                        <m:sSubPr>
+                          <m:ctrlPr>
+                            <a:rPr lang="en-US" altLang="ko-KR" b="0" i="1" smtClean="0">
+                              <a:latin typeface="Cambria Math" panose="02040503050406030204" pitchFamily="18" charset="0"/>
+                            </a:rPr>
+                          </m:ctrlPr>
+                        </m:sSubPr>
+                        <m:e>
+                          <m:r>
+                            <a:rPr lang="en-US" altLang="ko-KR" b="0" i="1" smtClean="0">
+                              <a:latin typeface="Cambria Math"/>
+                            </a:rPr>
+                            <m:t>𝑥</m:t>
+                          </m:r>
+                        </m:e>
+                        <m:sub>
+                          <m:r>
+                            <a:rPr lang="en-US" altLang="ko-KR" b="0" i="1" smtClean="0">
+                              <a:latin typeface="Cambria Math"/>
+                            </a:rPr>
+                            <m:t>2</m:t>
+                          </m:r>
+                        </m:sub>
+                      </m:sSub>
+                    </m:oMath>
+                  </m:oMathPara>
+                </a14:m>
+                <a:endParaRPr lang="ko-KR" altLang="en-US" dirty="0"/>
+              </a:p>
+            </p:txBody>
+          </p:sp>
+        </mc:Choice>
+        <mc:Fallback xmlns="">
+          <p:sp>
+            <p:nvSpPr>
+              <p:cNvPr id="6" name="TextBox 5"/>
+              <p:cNvSpPr txBox="1">
+                <a:spLocks noRot="1" noChangeAspect="1" noMove="1" noResize="1" noEditPoints="1" noAdjustHandles="1" noChangeArrowheads="1" noChangeShapeType="1" noTextEdit="1"/>
+              </p:cNvSpPr>
+              <p:nvPr/>
+            </p:nvSpPr>
+            <p:spPr>
+              <a:xfrm>
+                <a:off x="3138828" y="4498838"/>
+                <a:ext cx="466089" cy="369332"/>
+              </a:xfrm>
+              <a:prstGeom prst="rect">
+                <a:avLst/>
+              </a:prstGeom>
+              <a:blipFill rotWithShape="1">
+                <a:blip r:embed="rId3"/>
+                <a:stretch>
+                  <a:fillRect b="-1639"/>
+                </a:stretch>
+              </a:blipFill>
+            </p:spPr>
+            <p:txBody>
+              <a:bodyPr/>
+              <a:lstStyle/>
+              <a:p>
+                <a:r>
+                  <a:rPr lang="ko-KR" altLang="en-US">
+                    <a:noFill/>
+                  </a:rPr>
+                  <a:t> </a:t>
+                </a:r>
+              </a:p>
+            </p:txBody>
+          </p:sp>
+        </mc:Fallback>
+      </mc:AlternateContent>
+      <mc:AlternateContent xmlns:mc="http://schemas.openxmlformats.org/markup-compatibility/2006" xmlns:a14="http://schemas.microsoft.com/office/drawing/2010/main">
+        <mc:Choice Requires="a14">
+          <p:sp>
+            <p:nvSpPr>
+              <p:cNvPr id="7" name="TextBox 6"/>
+              <p:cNvSpPr txBox="1"/>
+              <p:nvPr/>
+            </p:nvSpPr>
+            <p:spPr>
+              <a:xfrm>
+                <a:off x="1253958" y="4413113"/>
+                <a:ext cx="460767" cy="369332"/>
+              </a:xfrm>
+              <a:prstGeom prst="rect">
+                <a:avLst/>
+              </a:prstGeom>
+              <a:noFill/>
+            </p:spPr>
+            <p:txBody>
+              <a:bodyPr wrap="none" rtlCol="0">
+                <a:spAutoFit/>
+              </a:bodyPr>
+              <a:lstStyle/>
+              <a:p>
+                <a:pPr/>
+                <a14:m>
+                  <m:oMathPara xmlns:m="http://schemas.openxmlformats.org/officeDocument/2006/math">
+                    <m:oMathParaPr>
+                      <m:jc m:val="centerGroup"/>
+                    </m:oMathParaPr>
+                    <m:oMath xmlns:m="http://schemas.openxmlformats.org/officeDocument/2006/math">
+                      <m:sSub>
+                        <m:sSubPr>
+                          <m:ctrlPr>
+                            <a:rPr lang="en-US" altLang="ko-KR" b="0" i="1" smtClean="0">
+                              <a:latin typeface="Cambria Math" panose="02040503050406030204" pitchFamily="18" charset="0"/>
+                            </a:rPr>
+                          </m:ctrlPr>
+                        </m:sSubPr>
+                        <m:e>
+                          <m:r>
+                            <a:rPr lang="en-US" altLang="ko-KR" b="0" i="1" smtClean="0">
+                              <a:latin typeface="Cambria Math"/>
+                            </a:rPr>
+                            <m:t>𝑥</m:t>
+                          </m:r>
+                        </m:e>
+                        <m:sub>
+                          <m:r>
+                            <a:rPr lang="en-US" altLang="ko-KR" b="0" i="1" smtClean="0">
+                              <a:latin typeface="Cambria Math"/>
+                            </a:rPr>
+                            <m:t>1</m:t>
+                          </m:r>
+                        </m:sub>
+                      </m:sSub>
+                    </m:oMath>
+                  </m:oMathPara>
+                </a14:m>
+                <a:endParaRPr lang="ko-KR" altLang="en-US" dirty="0"/>
+              </a:p>
+            </p:txBody>
+          </p:sp>
+        </mc:Choice>
+        <mc:Fallback xmlns="">
+          <p:sp>
+            <p:nvSpPr>
+              <p:cNvPr id="7" name="TextBox 6"/>
+              <p:cNvSpPr txBox="1">
+                <a:spLocks noRot="1" noChangeAspect="1" noMove="1" noResize="1" noEditPoints="1" noAdjustHandles="1" noChangeArrowheads="1" noChangeShapeType="1" noTextEdit="1"/>
+              </p:cNvSpPr>
+              <p:nvPr/>
+            </p:nvSpPr>
+            <p:spPr>
+              <a:xfrm>
+                <a:off x="1253958" y="4413113"/>
+                <a:ext cx="460767" cy="369332"/>
+              </a:xfrm>
+              <a:prstGeom prst="rect">
+                <a:avLst/>
+              </a:prstGeom>
+              <a:blipFill rotWithShape="1">
+                <a:blip r:embed="rId4"/>
+                <a:stretch>
+                  <a:fillRect b="-1639"/>
+                </a:stretch>
+              </a:blipFill>
+            </p:spPr>
+            <p:txBody>
+              <a:bodyPr/>
+              <a:lstStyle/>
+              <a:p>
+                <a:r>
+                  <a:rPr lang="ko-KR" altLang="en-US">
+                    <a:noFill/>
+                  </a:rPr>
+                  <a:t> </a:t>
+                </a:r>
+              </a:p>
+            </p:txBody>
+          </p:sp>
+        </mc:Fallback>
+      </mc:AlternateContent>
+      <mc:AlternateContent xmlns:mc="http://schemas.openxmlformats.org/markup-compatibility/2006" xmlns:a14="http://schemas.microsoft.com/office/drawing/2010/main">
+        <mc:Choice Requires="a14">
+          <p:sp>
+            <p:nvSpPr>
+              <p:cNvPr id="8" name="TextBox 7"/>
+              <p:cNvSpPr txBox="1"/>
+              <p:nvPr/>
+            </p:nvSpPr>
+            <p:spPr>
+              <a:xfrm>
+                <a:off x="7362330" y="4593402"/>
+                <a:ext cx="466089" cy="369332"/>
+              </a:xfrm>
+              <a:prstGeom prst="rect">
+                <a:avLst/>
+              </a:prstGeom>
+              <a:noFill/>
+            </p:spPr>
+            <p:txBody>
+              <a:bodyPr wrap="none" rtlCol="0">
+                <a:spAutoFit/>
+              </a:bodyPr>
+              <a:lstStyle/>
+              <a:p>
+                <a:pPr/>
+                <a14:m>
+                  <m:oMathPara xmlns:m="http://schemas.openxmlformats.org/officeDocument/2006/math">
+                    <m:oMathParaPr>
+                      <m:jc m:val="centerGroup"/>
+                    </m:oMathParaPr>
+                    <m:oMath xmlns:m="http://schemas.openxmlformats.org/officeDocument/2006/math">
+                      <m:sSub>
+                        <m:sSubPr>
+                          <m:ctrlPr>
+                            <a:rPr lang="en-US" altLang="ko-KR" b="0" i="1" smtClean="0">
+                              <a:latin typeface="Cambria Math" panose="02040503050406030204" pitchFamily="18" charset="0"/>
+                            </a:rPr>
+                          </m:ctrlPr>
+                        </m:sSubPr>
+                        <m:e>
+                          <m:r>
+                            <a:rPr lang="en-US" altLang="ko-KR" b="0" i="1" smtClean="0">
+                              <a:latin typeface="Cambria Math"/>
+                            </a:rPr>
+                            <m:t>𝑥</m:t>
+                          </m:r>
+                        </m:e>
+                        <m:sub>
+                          <m:r>
+                            <a:rPr lang="en-US" altLang="ko-KR" b="0" i="1" smtClean="0">
+                              <a:latin typeface="Cambria Math"/>
+                            </a:rPr>
+                            <m:t>2</m:t>
+                          </m:r>
+                        </m:sub>
+                      </m:sSub>
+                    </m:oMath>
+                  </m:oMathPara>
+                </a14:m>
+                <a:endParaRPr lang="ko-KR" altLang="en-US" dirty="0"/>
+              </a:p>
+            </p:txBody>
+          </p:sp>
+        </mc:Choice>
+        <mc:Fallback xmlns="">
+          <p:sp>
+            <p:nvSpPr>
+              <p:cNvPr id="8" name="TextBox 7"/>
+              <p:cNvSpPr txBox="1">
+                <a:spLocks noRot="1" noChangeAspect="1" noMove="1" noResize="1" noEditPoints="1" noAdjustHandles="1" noChangeArrowheads="1" noChangeShapeType="1" noTextEdit="1"/>
+              </p:cNvSpPr>
+              <p:nvPr/>
+            </p:nvSpPr>
+            <p:spPr>
+              <a:xfrm>
+                <a:off x="7362330" y="4593402"/>
+                <a:ext cx="466089" cy="369332"/>
+              </a:xfrm>
+              <a:prstGeom prst="rect">
+                <a:avLst/>
+              </a:prstGeom>
+              <a:blipFill rotWithShape="1">
+                <a:blip r:embed="rId5"/>
+                <a:stretch>
+                  <a:fillRect b="-3333"/>
+                </a:stretch>
+              </a:blipFill>
+            </p:spPr>
+            <p:txBody>
+              <a:bodyPr/>
+              <a:lstStyle/>
+              <a:p>
+                <a:r>
+                  <a:rPr lang="ko-KR" altLang="en-US">
+                    <a:noFill/>
+                  </a:rPr>
+                  <a:t> </a:t>
+                </a:r>
+              </a:p>
+            </p:txBody>
+          </p:sp>
+        </mc:Fallback>
+      </mc:AlternateContent>
+      <mc:AlternateContent xmlns:mc="http://schemas.openxmlformats.org/markup-compatibility/2006" xmlns:a14="http://schemas.microsoft.com/office/drawing/2010/main">
+        <mc:Choice Requires="a14">
+          <p:sp>
+            <p:nvSpPr>
+              <p:cNvPr id="9" name="TextBox 8"/>
+              <p:cNvSpPr txBox="1"/>
+              <p:nvPr/>
+            </p:nvSpPr>
+            <p:spPr>
+              <a:xfrm>
+                <a:off x="5523909" y="4517496"/>
+                <a:ext cx="460767" cy="369332"/>
+              </a:xfrm>
+              <a:prstGeom prst="rect">
+                <a:avLst/>
+              </a:prstGeom>
+              <a:noFill/>
+            </p:spPr>
+            <p:txBody>
+              <a:bodyPr wrap="none" rtlCol="0">
+                <a:spAutoFit/>
+              </a:bodyPr>
+              <a:lstStyle/>
+              <a:p>
+                <a:pPr/>
+                <a14:m>
+                  <m:oMathPara xmlns:m="http://schemas.openxmlformats.org/officeDocument/2006/math">
+                    <m:oMathParaPr>
+                      <m:jc m:val="centerGroup"/>
+                    </m:oMathParaPr>
+                    <m:oMath xmlns:m="http://schemas.openxmlformats.org/officeDocument/2006/math">
+                      <m:sSub>
+                        <m:sSubPr>
+                          <m:ctrlPr>
+                            <a:rPr lang="en-US" altLang="ko-KR" b="0" i="1" smtClean="0">
+                              <a:latin typeface="Cambria Math" panose="02040503050406030204" pitchFamily="18" charset="0"/>
+                            </a:rPr>
+                          </m:ctrlPr>
+                        </m:sSubPr>
+                        <m:e>
+                          <m:r>
+                            <a:rPr lang="en-US" altLang="ko-KR" b="0" i="1" smtClean="0">
+                              <a:latin typeface="Cambria Math"/>
+                            </a:rPr>
+                            <m:t>𝑥</m:t>
+                          </m:r>
+                        </m:e>
+                        <m:sub>
+                          <m:r>
+                            <a:rPr lang="en-US" altLang="ko-KR" b="0" i="1" smtClean="0">
+                              <a:latin typeface="Cambria Math"/>
+                            </a:rPr>
+                            <m:t>1</m:t>
+                          </m:r>
+                        </m:sub>
+                      </m:sSub>
+                    </m:oMath>
+                  </m:oMathPara>
+                </a14:m>
+                <a:endParaRPr lang="ko-KR" altLang="en-US" dirty="0"/>
+              </a:p>
+            </p:txBody>
+          </p:sp>
+        </mc:Choice>
+        <mc:Fallback xmlns="">
+          <p:sp>
+            <p:nvSpPr>
+              <p:cNvPr id="9" name="TextBox 8"/>
+              <p:cNvSpPr txBox="1">
+                <a:spLocks noRot="1" noChangeAspect="1" noMove="1" noResize="1" noEditPoints="1" noAdjustHandles="1" noChangeArrowheads="1" noChangeShapeType="1" noTextEdit="1"/>
+              </p:cNvSpPr>
+              <p:nvPr/>
+            </p:nvSpPr>
+            <p:spPr>
+              <a:xfrm>
+                <a:off x="5523909" y="4517496"/>
+                <a:ext cx="460767" cy="369332"/>
+              </a:xfrm>
+              <a:prstGeom prst="rect">
+                <a:avLst/>
+              </a:prstGeom>
+              <a:blipFill rotWithShape="1">
+                <a:blip r:embed="rId6"/>
+                <a:stretch>
+                  <a:fillRect b="-1639"/>
+                </a:stretch>
+              </a:blipFill>
+            </p:spPr>
+            <p:txBody>
+              <a:bodyPr/>
+              <a:lstStyle/>
+              <a:p>
+                <a:r>
+                  <a:rPr lang="ko-KR" altLang="en-US">
+                    <a:noFill/>
+                  </a:rPr>
+                  <a:t> </a:t>
+                </a:r>
+              </a:p>
+            </p:txBody>
+          </p:sp>
+        </mc:Fallback>
+      </mc:AlternateContent>
+      <p:cxnSp>
+        <p:nvCxnSpPr>
+          <p:cNvPr id="10" name="직선 연결선 9"/>
+          <p:cNvCxnSpPr/>
+          <p:nvPr/>
+        </p:nvCxnSpPr>
+        <p:spPr>
+          <a:xfrm>
+            <a:off x="2557461" y="2318994"/>
+            <a:ext cx="0" cy="1706252"/>
+          </a:xfrm>
+          <a:prstGeom prst="line">
+            <a:avLst/>
+          </a:prstGeom>
+          <a:ln w="19050">
+            <a:headEnd type="none" w="med" len="med"/>
+            <a:tailEnd type="arrow" w="med" len="med"/>
+          </a:ln>
+        </p:spPr>
+        <p:style>
+          <a:lnRef idx="1">
+            <a:schemeClr val="accent1"/>
+          </a:lnRef>
+          <a:fillRef idx="0">
+            <a:schemeClr val="accent1"/>
+          </a:fillRef>
+          <a:effectRef idx="0">
+            <a:schemeClr val="accent1"/>
+          </a:effectRef>
+          <a:fontRef idx="minor">
+            <a:schemeClr val="tx1"/>
+          </a:fontRef>
+        </p:style>
+      </p:cxnSp>
+      <p:sp>
+        <p:nvSpPr>
+          <p:cNvPr id="11" name="타원 10"/>
+          <p:cNvSpPr/>
+          <p:nvPr/>
+        </p:nvSpPr>
+        <p:spPr>
+          <a:xfrm>
+            <a:off x="2525711" y="4078339"/>
+            <a:ext cx="63500" cy="63500"/>
+          </a:xfrm>
+          <a:prstGeom prst="ellipse">
+            <a:avLst/>
+          </a:prstGeom>
+          <a:ln>
+            <a:noFill/>
+          </a:ln>
+        </p:spPr>
+        <p:style>
+          <a:lnRef idx="2">
+            <a:schemeClr val="accent1">
+              <a:shade val="50000"/>
+            </a:schemeClr>
+          </a:lnRef>
+          <a:fillRef idx="1">
+            <a:schemeClr val="accent1"/>
+          </a:fillRef>
+          <a:effectRef idx="0">
+            <a:schemeClr val="accent1"/>
+          </a:effectRef>
+          <a:fontRef idx="minor">
+            <a:schemeClr val="lt1"/>
+          </a:fontRef>
+        </p:style>
+        <p:txBody>
+          <a:bodyPr rtlCol="0" anchor="ctr"/>
+          <a:lstStyle/>
+          <a:p>
+            <a:pPr algn="ctr"/>
+            <a:endParaRPr lang="ko-KR" altLang="en-US"/>
+          </a:p>
+        </p:txBody>
+      </p:sp>
+      <p:pic>
+        <p:nvPicPr>
+          <p:cNvPr id="12" name="Picture 6" descr="https://raw.githubusercontent.com/angeloyeo/angeloyeo.github.io/master/pics/2020-10-10-autoencoder/pic2.png"/>
+          <p:cNvPicPr>
+            <a:picLocks noChangeAspect="1" noChangeArrowheads="1"/>
+          </p:cNvPicPr>
+          <p:nvPr/>
+        </p:nvPicPr>
+        <p:blipFill rotWithShape="1">
+          <a:blip r:embed="rId7">
+            <a:extLst>
+              <a:ext uri="{28A0092B-C50C-407E-A947-70E740481C1C}">
+                <a14:useLocalDpi xmlns:a14="http://schemas.microsoft.com/office/drawing/2010/main" val="0"/>
+              </a:ext>
+            </a:extLst>
+          </a:blip>
+          <a:srcRect l="93401" t="76153" r="1659" b="15476"/>
+          <a:stretch/>
+        </p:blipFill>
+        <p:spPr bwMode="auto">
+          <a:xfrm>
+            <a:off x="2183186" y="1502731"/>
+            <a:ext cx="729696" cy="751432"/>
+          </a:xfrm>
+          <a:prstGeom prst="rect">
+            <a:avLst/>
+          </a:prstGeom>
+          <a:noFill/>
+          <a:extLst>
+            <a:ext uri="{909E8E84-426E-40DD-AFC4-6F175D3DCCD1}">
+              <a14:hiddenFill xmlns:a14="http://schemas.microsoft.com/office/drawing/2010/main">
+                <a:solidFill>
+                  <a:srgbClr val="FFFFFF"/>
+                </a:solidFill>
+              </a14:hiddenFill>
+            </a:ext>
+          </a:extLst>
+        </p:spPr>
+      </p:pic>
+      <p:sp>
+        <p:nvSpPr>
+          <p:cNvPr id="13" name="TextBox 12"/>
+          <p:cNvSpPr txBox="1"/>
+          <p:nvPr/>
+        </p:nvSpPr>
+        <p:spPr>
+          <a:xfrm>
+            <a:off x="2570354" y="2802788"/>
+            <a:ext cx="1151277" cy="369332"/>
+          </a:xfrm>
+          <a:prstGeom prst="rect">
+            <a:avLst/>
+          </a:prstGeom>
+          <a:noFill/>
+        </p:spPr>
+        <p:txBody>
+          <a:bodyPr wrap="none" rtlCol="0">
+            <a:spAutoFit/>
+          </a:bodyPr>
+          <a:lstStyle/>
+          <a:p>
+            <a:r>
+              <a:rPr lang="en-US" altLang="ko-KR" dirty="0"/>
+              <a:t>Encoding</a:t>
+            </a:r>
+            <a:endParaRPr lang="ko-KR" altLang="en-US" dirty="0"/>
+          </a:p>
+        </p:txBody>
+      </p:sp>
+      <p:cxnSp>
+        <p:nvCxnSpPr>
+          <p:cNvPr id="14" name="직선 연결선 13"/>
+          <p:cNvCxnSpPr/>
+          <p:nvPr/>
+        </p:nvCxnSpPr>
+        <p:spPr>
+          <a:xfrm>
+            <a:off x="6723499" y="2318994"/>
+            <a:ext cx="0" cy="433731"/>
+          </a:xfrm>
+          <a:prstGeom prst="line">
+            <a:avLst/>
+          </a:prstGeom>
+          <a:ln w="19050">
+            <a:headEnd type="none" w="med" len="med"/>
+            <a:tailEnd type="arrow" w="med" len="med"/>
+          </a:ln>
+        </p:spPr>
+        <p:style>
+          <a:lnRef idx="1">
+            <a:schemeClr val="accent1"/>
+          </a:lnRef>
+          <a:fillRef idx="0">
+            <a:schemeClr val="accent1"/>
+          </a:fillRef>
+          <a:effectRef idx="0">
+            <a:schemeClr val="accent1"/>
+          </a:effectRef>
+          <a:fontRef idx="minor">
+            <a:schemeClr val="tx1"/>
+          </a:fontRef>
+        </p:style>
+      </p:cxnSp>
+      <p:pic>
+        <p:nvPicPr>
+          <p:cNvPr id="15" name="Picture 6" descr="https://raw.githubusercontent.com/angeloyeo/angeloyeo.github.io/master/pics/2020-10-10-autoencoder/pic2.png"/>
+          <p:cNvPicPr>
+            <a:picLocks noChangeAspect="1" noChangeArrowheads="1"/>
+          </p:cNvPicPr>
+          <p:nvPr/>
+        </p:nvPicPr>
+        <p:blipFill rotWithShape="1">
+          <a:blip r:embed="rId7">
+            <a:extLst>
+              <a:ext uri="{28A0092B-C50C-407E-A947-70E740481C1C}">
+                <a14:useLocalDpi xmlns:a14="http://schemas.microsoft.com/office/drawing/2010/main" val="0"/>
+              </a:ext>
+            </a:extLst>
+          </a:blip>
+          <a:srcRect l="93401" t="76153" r="1659" b="15476"/>
+          <a:stretch/>
+        </p:blipFill>
+        <p:spPr bwMode="auto">
+          <a:xfrm>
+            <a:off x="6349224" y="1502731"/>
+            <a:ext cx="729696" cy="751432"/>
+          </a:xfrm>
+          <a:prstGeom prst="rect">
+            <a:avLst/>
+          </a:prstGeom>
+          <a:noFill/>
+          <a:extLst>
+            <a:ext uri="{909E8E84-426E-40DD-AFC4-6F175D3DCCD1}">
+              <a14:hiddenFill xmlns:a14="http://schemas.microsoft.com/office/drawing/2010/main">
+                <a:solidFill>
+                  <a:srgbClr val="FFFFFF"/>
+                </a:solidFill>
+              </a14:hiddenFill>
+            </a:ext>
+          </a:extLst>
+        </p:spPr>
+      </p:pic>
+      <p:sp>
+        <p:nvSpPr>
+          <p:cNvPr id="16" name="TextBox 15"/>
+          <p:cNvSpPr txBox="1"/>
+          <p:nvPr/>
+        </p:nvSpPr>
+        <p:spPr>
+          <a:xfrm>
+            <a:off x="6828302" y="2303167"/>
+            <a:ext cx="1151277" cy="369332"/>
+          </a:xfrm>
+          <a:prstGeom prst="rect">
+            <a:avLst/>
+          </a:prstGeom>
+          <a:noFill/>
+        </p:spPr>
+        <p:txBody>
+          <a:bodyPr wrap="none" rtlCol="0">
+            <a:spAutoFit/>
+          </a:bodyPr>
+          <a:lstStyle/>
+          <a:p>
+            <a:r>
+              <a:rPr lang="en-US" altLang="ko-KR" dirty="0"/>
+              <a:t>Encoding</a:t>
+            </a:r>
+            <a:endParaRPr lang="ko-KR" altLang="en-US" dirty="0"/>
+          </a:p>
+        </p:txBody>
+      </p:sp>
+      <p:sp>
+        <p:nvSpPr>
+          <p:cNvPr id="17" name="TextBox 16"/>
+          <p:cNvSpPr txBox="1"/>
+          <p:nvPr/>
+        </p:nvSpPr>
+        <p:spPr>
+          <a:xfrm>
+            <a:off x="1895475" y="5010150"/>
+            <a:ext cx="1529265" cy="369332"/>
+          </a:xfrm>
+          <a:prstGeom prst="rect">
+            <a:avLst/>
+          </a:prstGeom>
+          <a:noFill/>
+        </p:spPr>
+        <p:txBody>
+          <a:bodyPr wrap="none" rtlCol="0">
+            <a:spAutoFit/>
+          </a:bodyPr>
+          <a:lstStyle/>
+          <a:p>
+            <a:r>
+              <a:rPr lang="en-US" altLang="ko-KR" dirty="0"/>
+              <a:t>AutoEncoder</a:t>
+            </a:r>
+            <a:endParaRPr lang="ko-KR" altLang="en-US" dirty="0"/>
+          </a:p>
+        </p:txBody>
+      </p:sp>
+      <p:sp>
+        <p:nvSpPr>
+          <p:cNvPr id="18" name="TextBox 17"/>
+          <p:cNvSpPr txBox="1"/>
+          <p:nvPr/>
+        </p:nvSpPr>
+        <p:spPr>
+          <a:xfrm>
+            <a:off x="5977841" y="5010150"/>
+            <a:ext cx="1627112" cy="369332"/>
+          </a:xfrm>
+          <a:prstGeom prst="rect">
+            <a:avLst/>
+          </a:prstGeom>
+          <a:noFill/>
+        </p:spPr>
+        <p:txBody>
+          <a:bodyPr wrap="none" rtlCol="0">
+            <a:spAutoFit/>
+          </a:bodyPr>
+          <a:lstStyle/>
+          <a:p>
+            <a:pPr algn="ctr"/>
+            <a:r>
+              <a:rPr lang="en-US" altLang="ko-KR" dirty="0"/>
+              <a:t>Variational AE</a:t>
+            </a:r>
+            <a:endParaRPr lang="ko-KR" altLang="en-US" dirty="0"/>
+          </a:p>
+        </p:txBody>
+      </p:sp>
+    </p:spTree>
+    <p:extLst>
+      <p:ext uri="{BB962C8B-B14F-4D97-AF65-F5344CB8AC3E}">
+        <p14:creationId xmlns:p14="http://schemas.microsoft.com/office/powerpoint/2010/main" val="2749437258"/>
+      </p:ext>
+    </p:extLst>
+  </p:cSld>
+  <p:clrMapOvr>
+    <a:masterClrMapping/>
+  </p:clrMapOvr>
+</p:sld>
+</file>
+
+<file path=ppt/slides/slide4.xml><?xml version="1.0" encoding="utf-8"?>
+<p:sld xmlns:a="http://schemas.openxmlformats.org/drawingml/2006/main" xmlns:r="http://schemas.openxmlformats.org/officeDocument/2006/relationships" xmlns:p="http://schemas.openxmlformats.org/presentationml/2006/main">
+  <p:cSld>
+    <p:spTree>
+      <p:nvGrpSpPr>
+        <p:cNvPr id="1" name=""/>
+        <p:cNvGrpSpPr/>
+        <p:nvPr/>
+      </p:nvGrpSpPr>
+      <p:grpSpPr>
+        <a:xfrm>
+          <a:off x="0" y="0"/>
+          <a:ext cx="0" cy="0"/>
+          <a:chOff x="0" y="0"/>
+          <a:chExt cx="0" cy="0"/>
+        </a:xfrm>
+      </p:grpSpPr>
+      <p:pic>
+        <p:nvPicPr>
+          <p:cNvPr id="4" name="Picture 2"/>
+          <p:cNvPicPr>
+            <a:picLocks noChangeAspect="1" noChangeArrowheads="1"/>
+          </p:cNvPicPr>
+          <p:nvPr/>
+        </p:nvPicPr>
+        <p:blipFill rotWithShape="1">
+          <a:blip r:embed="rId2">
+            <a:extLst>
+              <a:ext uri="{28A0092B-C50C-407E-A947-70E740481C1C}">
+                <a14:useLocalDpi xmlns:a14="http://schemas.microsoft.com/office/drawing/2010/main" val="0"/>
+              </a:ext>
+            </a:extLst>
+          </a:blip>
           <a:srcRect l="59000"/>
           <a:stretch/>
         </p:blipFill>
@@ -4293,7 +5208,240 @@
 </p:sld>
 </file>
 
-<file path=ppt/slides/slide4.xml><?xml version="1.0" encoding="utf-8"?>
+<file path=ppt/slides/slide5.xml><?xml version="1.0" encoding="utf-8"?>
+<p:sld xmlns:a="http://schemas.openxmlformats.org/drawingml/2006/main" xmlns:r="http://schemas.openxmlformats.org/officeDocument/2006/relationships" xmlns:p="http://schemas.openxmlformats.org/presentationml/2006/main">
+  <p:cSld>
+    <p:spTree>
+      <p:nvGrpSpPr>
+        <p:cNvPr id="1" name=""/>
+        <p:cNvGrpSpPr/>
+        <p:nvPr/>
+      </p:nvGrpSpPr>
+      <p:grpSpPr>
+        <a:xfrm>
+          <a:off x="0" y="0"/>
+          <a:ext cx="0" cy="0"/>
+          <a:chOff x="0" y="0"/>
+          <a:chExt cx="0" cy="0"/>
+        </a:xfrm>
+      </p:grpSpPr>
+      <p:pic>
+        <p:nvPicPr>
+          <p:cNvPr id="4" name="Picture 2"/>
+          <p:cNvPicPr>
+            <a:picLocks noChangeAspect="1" noChangeArrowheads="1"/>
+          </p:cNvPicPr>
+          <p:nvPr/>
+        </p:nvPicPr>
+        <p:blipFill rotWithShape="1">
+          <a:blip r:embed="rId2">
+            <a:extLst>
+              <a:ext uri="{28A0092B-C50C-407E-A947-70E740481C1C}">
+                <a14:useLocalDpi xmlns:a14="http://schemas.microsoft.com/office/drawing/2010/main" val="0"/>
+              </a:ext>
+            </a:extLst>
+          </a:blip>
+          <a:srcRect l="59000"/>
+          <a:stretch/>
+        </p:blipFill>
+        <p:spPr bwMode="auto">
+          <a:xfrm>
+            <a:off x="5076825" y="1272709"/>
+            <a:ext cx="3689318" cy="3919537"/>
+          </a:xfrm>
+          <a:prstGeom prst="rect">
+            <a:avLst/>
+          </a:prstGeom>
+          <a:noFill/>
+          <a:ln>
+            <a:noFill/>
+          </a:ln>
+          <a:effectLst/>
+          <a:extLst>
+            <a:ext uri="{909E8E84-426E-40DD-AFC4-6F175D3DCCD1}">
+              <a14:hiddenFill xmlns:a14="http://schemas.microsoft.com/office/drawing/2010/main">
+                <a:solidFill>
+                  <a:schemeClr val="accent1"/>
+                </a:solidFill>
+              </a14:hiddenFill>
+            </a:ext>
+            <a:ext uri="{91240B29-F687-4F45-9708-019B960494DF}">
+              <a14:hiddenLine xmlns:a14="http://schemas.microsoft.com/office/drawing/2010/main" w="9525">
+                <a:solidFill>
+                  <a:schemeClr val="tx1"/>
+                </a:solidFill>
+                <a:miter lim="800000"/>
+                <a:headEnd/>
+                <a:tailEnd/>
+              </a14:hiddenLine>
+            </a:ext>
+            <a:ext uri="{AF507438-7753-43E0-B8FC-AC1667EBCBE1}">
+              <a14:hiddenEffects xmlns:a14="http://schemas.microsoft.com/office/drawing/2010/main">
+                <a:effectLst>
+                  <a:outerShdw dist="35921" dir="2700000" algn="ctr" rotWithShape="0">
+                    <a:schemeClr val="bg2"/>
+                  </a:outerShdw>
+                </a:effectLst>
+              </a14:hiddenEffects>
+            </a:ext>
+          </a:extLst>
+        </p:spPr>
+      </p:pic>
+      <p:pic>
+        <p:nvPicPr>
+          <p:cNvPr id="5" name="Picture 4" descr="https://raw.githubusercontent.com/angeloyeo/angeloyeo.github.io/master/pics/2020-10-10-autoencoder/pic3.png"/>
+          <p:cNvPicPr>
+            <a:picLocks noChangeAspect="1" noChangeArrowheads="1"/>
+          </p:cNvPicPr>
+          <p:nvPr/>
+        </p:nvPicPr>
+        <p:blipFill>
+          <a:blip r:embed="rId3">
+            <a:extLst>
+              <a:ext uri="{28A0092B-C50C-407E-A947-70E740481C1C}">
+                <a14:useLocalDpi xmlns:a14="http://schemas.microsoft.com/office/drawing/2010/main" val="0"/>
+              </a:ext>
+            </a:extLst>
+          </a:blip>
+          <a:srcRect/>
+          <a:stretch>
+            <a:fillRect/>
+          </a:stretch>
+        </p:blipFill>
+        <p:spPr bwMode="auto">
+          <a:xfrm>
+            <a:off x="739164" y="1481239"/>
+            <a:ext cx="3434337" cy="3502479"/>
+          </a:xfrm>
+          <a:prstGeom prst="rect">
+            <a:avLst/>
+          </a:prstGeom>
+          <a:noFill/>
+          <a:extLst>
+            <a:ext uri="{909E8E84-426E-40DD-AFC4-6F175D3DCCD1}">
+              <a14:hiddenFill xmlns:a14="http://schemas.microsoft.com/office/drawing/2010/main">
+                <a:solidFill>
+                  <a:srgbClr val="FFFFFF"/>
+                </a:solidFill>
+              </a14:hiddenFill>
+            </a:ext>
+          </a:extLst>
+        </p:spPr>
+      </p:pic>
+      <p:sp>
+        <p:nvSpPr>
+          <p:cNvPr id="6" name="오른쪽 화살표 5"/>
+          <p:cNvSpPr/>
+          <p:nvPr/>
+        </p:nvSpPr>
+        <p:spPr>
+          <a:xfrm>
+            <a:off x="4438650" y="3074425"/>
+            <a:ext cx="638175" cy="316105"/>
+          </a:xfrm>
+          <a:prstGeom prst="rightArrow">
+            <a:avLst/>
+          </a:prstGeom>
+        </p:spPr>
+        <p:style>
+          <a:lnRef idx="2">
+            <a:schemeClr val="accent1">
+              <a:shade val="50000"/>
+            </a:schemeClr>
+          </a:lnRef>
+          <a:fillRef idx="1">
+            <a:schemeClr val="accent1"/>
+          </a:fillRef>
+          <a:effectRef idx="0">
+            <a:schemeClr val="accent1"/>
+          </a:effectRef>
+          <a:fontRef idx="minor">
+            <a:schemeClr val="lt1"/>
+          </a:fontRef>
+        </p:style>
+        <p:txBody>
+          <a:bodyPr rtlCol="0" anchor="ctr"/>
+          <a:lstStyle/>
+          <a:p>
+            <a:pPr algn="ctr"/>
+            <a:endParaRPr lang="ko-KR" altLang="en-US"/>
+          </a:p>
+        </p:txBody>
+      </p:sp>
+      <p:sp>
+        <p:nvSpPr>
+          <p:cNvPr id="7" name="TextBox 6"/>
+          <p:cNvSpPr txBox="1"/>
+          <p:nvPr/>
+        </p:nvSpPr>
+        <p:spPr>
+          <a:xfrm>
+            <a:off x="982354" y="5117068"/>
+            <a:ext cx="3013582" cy="369332"/>
+          </a:xfrm>
+          <a:prstGeom prst="rect">
+            <a:avLst/>
+          </a:prstGeom>
+          <a:noFill/>
+        </p:spPr>
+        <p:txBody>
+          <a:bodyPr wrap="none" rtlCol="0">
+            <a:spAutoFit/>
+          </a:bodyPr>
+          <a:lstStyle/>
+          <a:p>
+            <a:r>
+              <a:rPr lang="en-US" altLang="ko-KR" dirty="0"/>
+              <a:t>Distribution in latent space</a:t>
+            </a:r>
+            <a:endParaRPr lang="ko-KR" altLang="en-US" dirty="0"/>
+          </a:p>
+        </p:txBody>
+      </p:sp>
+      <p:sp>
+        <p:nvSpPr>
+          <p:cNvPr id="8" name="TextBox 7"/>
+          <p:cNvSpPr txBox="1"/>
+          <p:nvPr/>
+        </p:nvSpPr>
+        <p:spPr>
+          <a:xfrm>
+            <a:off x="5436096" y="5117068"/>
+            <a:ext cx="3268331" cy="369332"/>
+          </a:xfrm>
+          <a:prstGeom prst="rect">
+            <a:avLst/>
+          </a:prstGeom>
+          <a:noFill/>
+        </p:spPr>
+        <p:txBody>
+          <a:bodyPr wrap="none" rtlCol="0">
+            <a:spAutoFit/>
+          </a:bodyPr>
+          <a:lstStyle/>
+          <a:p>
+            <a:r>
+              <a:rPr lang="en-US" altLang="ko-KR" dirty="0"/>
+              <a:t>Standard Normal Distribution</a:t>
+            </a:r>
+            <a:endParaRPr lang="ko-KR" altLang="en-US" dirty="0"/>
+          </a:p>
+        </p:txBody>
+      </p:sp>
+    </p:spTree>
+    <p:extLst>
+      <p:ext uri="{BB962C8B-B14F-4D97-AF65-F5344CB8AC3E}">
+        <p14:creationId xmlns:p14="http://schemas.microsoft.com/office/powerpoint/2010/main" val="4230378057"/>
+      </p:ext>
+    </p:extLst>
+  </p:cSld>
+  <p:clrMapOvr>
+    <a:masterClrMapping/>
+  </p:clrMapOvr>
+</p:sld>
+</file>
+
+<file path=ppt/slides/slide6.xml><?xml version="1.0" encoding="utf-8"?>
 <p:sld xmlns:a="http://schemas.openxmlformats.org/drawingml/2006/main" xmlns:r="http://schemas.openxmlformats.org/officeDocument/2006/relationships" xmlns:p="http://schemas.openxmlformats.org/presentationml/2006/main">
   <p:cSld>
     <p:spTree>
@@ -4358,7 +5506,7 @@
 </p:sld>
 </file>
 
-<file path=ppt/slides/slide5.xml><?xml version="1.0" encoding="utf-8"?>
+<file path=ppt/slides/slide7.xml><?xml version="1.0" encoding="utf-8"?>
 <p:sld xmlns:a="http://schemas.openxmlformats.org/drawingml/2006/main" xmlns:r="http://schemas.openxmlformats.org/officeDocument/2006/relationships" xmlns:p="http://schemas.openxmlformats.org/presentationml/2006/main">
   <p:cSld>
     <p:spTree>
